--- a/ML_EXOPLANETS.pptx
+++ b/ML_EXOPLANETS.pptx
@@ -7,7 +7,16 @@
   <p:sldIdLst>
     <p:sldId id="257" r:id="rId2"/>
     <p:sldId id="258" r:id="rId3"/>
-    <p:sldId id="256" r:id="rId4"/>
+    <p:sldId id="259" r:id="rId4"/>
+    <p:sldId id="261" r:id="rId5"/>
+    <p:sldId id="262" r:id="rId6"/>
+    <p:sldId id="263" r:id="rId7"/>
+    <p:sldId id="264" r:id="rId8"/>
+    <p:sldId id="265" r:id="rId9"/>
+    <p:sldId id="266" r:id="rId10"/>
+    <p:sldId id="267" r:id="rId11"/>
+    <p:sldId id="268" r:id="rId12"/>
+    <p:sldId id="256" r:id="rId13"/>
   </p:sldIdLst>
   <p:sldSz cx="12192000" cy="6858000"/>
   <p:notesSz cx="6858000" cy="9144000"/>
@@ -106,6 +115,11 @@
       </a:defRPr>
     </a:lvl9pPr>
   </p:defaultTextStyle>
+  <p:extLst>
+    <p:ext uri="{EFAFB233-063F-42B5-8137-9DF3F51BA10A}">
+      <p15:sldGuideLst xmlns:p15="http://schemas.microsoft.com/office/powerpoint/2012/main"/>
+    </p:ext>
+  </p:extLst>
 </p:presentation>
 </file>
 
@@ -339,7 +353,7 @@
             <a:fld id="{B61BEF0D-F0BB-DE4B-95CE-6DB70DBA9567}" type="datetimeFigureOut">
               <a:rPr lang="en-US" dirty="0"/>
               <a:pPr/>
-              <a:t>7/18/2024</a:t>
+              <a:t>7/19/2024</a:t>
             </a:fld>
             <a:endParaRPr lang="en-US" dirty="0"/>
           </a:p>
@@ -670,7 +684,7 @@
             <a:fld id="{B61BEF0D-F0BB-DE4B-95CE-6DB70DBA9567}" type="datetimeFigureOut">
               <a:rPr lang="en-US" dirty="0"/>
               <a:pPr/>
-              <a:t>7/18/2024</a:t>
+              <a:t>7/19/2024</a:t>
             </a:fld>
             <a:endParaRPr lang="en-US" dirty="0"/>
           </a:p>
@@ -945,7 +959,7 @@
             <a:fld id="{B61BEF0D-F0BB-DE4B-95CE-6DB70DBA9567}" type="datetimeFigureOut">
               <a:rPr lang="en-US" dirty="0"/>
               <a:pPr/>
-              <a:t>7/18/2024</a:t>
+              <a:t>7/19/2024</a:t>
             </a:fld>
             <a:endParaRPr lang="en-US" dirty="0"/>
           </a:p>
@@ -1510,7 +1524,7 @@
             <a:fld id="{B61BEF0D-F0BB-DE4B-95CE-6DB70DBA9567}" type="datetimeFigureOut">
               <a:rPr lang="en-US" dirty="0"/>
               <a:pPr/>
-              <a:t>7/18/2024</a:t>
+              <a:t>7/19/2024</a:t>
             </a:fld>
             <a:endParaRPr lang="en-US" dirty="0"/>
           </a:p>
@@ -1785,7 +1799,7 @@
             <a:fld id="{B61BEF0D-F0BB-DE4B-95CE-6DB70DBA9567}" type="datetimeFigureOut">
               <a:rPr lang="en-US" dirty="0"/>
               <a:pPr/>
-              <a:t>7/18/2024</a:t>
+              <a:t>7/19/2024</a:t>
             </a:fld>
             <a:endParaRPr lang="en-US" dirty="0"/>
           </a:p>
@@ -2344,7 +2358,7 @@
             <a:fld id="{B61BEF0D-F0BB-DE4B-95CE-6DB70DBA9567}" type="datetimeFigureOut">
               <a:rPr lang="en-US" dirty="0"/>
               <a:pPr/>
-              <a:t>7/18/2024</a:t>
+              <a:t>7/19/2024</a:t>
             </a:fld>
             <a:endParaRPr lang="en-US" dirty="0"/>
           </a:p>
@@ -2668,7 +2682,7 @@
             <a:fld id="{B61BEF0D-F0BB-DE4B-95CE-6DB70DBA9567}" type="datetimeFigureOut">
               <a:rPr lang="en-US" dirty="0"/>
               <a:pPr/>
-              <a:t>7/18/2024</a:t>
+              <a:t>7/19/2024</a:t>
             </a:fld>
             <a:endParaRPr lang="en-US" dirty="0"/>
           </a:p>
@@ -2842,7 +2856,7 @@
             <a:fld id="{B61BEF0D-F0BB-DE4B-95CE-6DB70DBA9567}" type="datetimeFigureOut">
               <a:rPr lang="en-US" dirty="0"/>
               <a:pPr/>
-              <a:t>7/18/2024</a:t>
+              <a:t>7/19/2024</a:t>
             </a:fld>
             <a:endParaRPr lang="en-US" dirty="0"/>
           </a:p>
@@ -3077,7 +3091,7 @@
             <a:fld id="{B61BEF0D-F0BB-DE4B-95CE-6DB70DBA9567}" type="datetimeFigureOut">
               <a:rPr lang="en-US" dirty="0"/>
               <a:pPr/>
-              <a:t>7/18/2024</a:t>
+              <a:t>7/19/2024</a:t>
             </a:fld>
             <a:endParaRPr lang="en-US" dirty="0"/>
           </a:p>
@@ -3274,7 +3288,7 @@
             <a:fld id="{B61BEF0D-F0BB-DE4B-95CE-6DB70DBA9567}" type="datetimeFigureOut">
               <a:rPr lang="en-US" dirty="0"/>
               <a:pPr/>
-              <a:t>7/18/2024</a:t>
+              <a:t>7/19/2024</a:t>
             </a:fld>
             <a:endParaRPr lang="en-US" dirty="0"/>
           </a:p>
@@ -3547,7 +3561,7 @@
             <a:fld id="{B61BEF0D-F0BB-DE4B-95CE-6DB70DBA9567}" type="datetimeFigureOut">
               <a:rPr lang="en-US" dirty="0"/>
               <a:pPr/>
-              <a:t>7/18/2024</a:t>
+              <a:t>7/19/2024</a:t>
             </a:fld>
             <a:endParaRPr lang="en-US" dirty="0"/>
           </a:p>
@@ -3810,7 +3824,7 @@
             <a:fld id="{B61BEF0D-F0BB-DE4B-95CE-6DB70DBA9567}" type="datetimeFigureOut">
               <a:rPr lang="en-US" dirty="0"/>
               <a:pPr/>
-              <a:t>7/18/2024</a:t>
+              <a:t>7/19/2024</a:t>
             </a:fld>
             <a:endParaRPr lang="en-US" dirty="0"/>
           </a:p>
@@ -4181,7 +4195,7 @@
             <a:fld id="{B61BEF0D-F0BB-DE4B-95CE-6DB70DBA9567}" type="datetimeFigureOut">
               <a:rPr lang="en-US" dirty="0"/>
               <a:pPr/>
-              <a:t>7/18/2024</a:t>
+              <a:t>7/19/2024</a:t>
             </a:fld>
             <a:endParaRPr lang="en-US" dirty="0"/>
           </a:p>
@@ -4326,7 +4340,7 @@
             <a:fld id="{B61BEF0D-F0BB-DE4B-95CE-6DB70DBA9567}" type="datetimeFigureOut">
               <a:rPr lang="en-US" dirty="0"/>
               <a:pPr/>
-              <a:t>7/18/2024</a:t>
+              <a:t>7/19/2024</a:t>
             </a:fld>
             <a:endParaRPr lang="en-US" dirty="0"/>
           </a:p>
@@ -4448,7 +4462,7 @@
             <a:fld id="{B61BEF0D-F0BB-DE4B-95CE-6DB70DBA9567}" type="datetimeFigureOut">
               <a:rPr lang="en-US" dirty="0"/>
               <a:pPr/>
-              <a:t>7/18/2024</a:t>
+              <a:t>7/19/2024</a:t>
             </a:fld>
             <a:endParaRPr lang="en-US" dirty="0"/>
           </a:p>
@@ -4730,7 +4744,7 @@
             <a:fld id="{B61BEF0D-F0BB-DE4B-95CE-6DB70DBA9567}" type="datetimeFigureOut">
               <a:rPr lang="en-US" dirty="0"/>
               <a:pPr/>
-              <a:t>7/18/2024</a:t>
+              <a:t>7/19/2024</a:t>
             </a:fld>
             <a:endParaRPr lang="en-US" dirty="0"/>
           </a:p>
@@ -5051,7 +5065,7 @@
             <a:fld id="{B61BEF0D-F0BB-DE4B-95CE-6DB70DBA9567}" type="datetimeFigureOut">
               <a:rPr lang="en-US" dirty="0"/>
               <a:pPr/>
-              <a:t>7/18/2024</a:t>
+              <a:t>7/19/2024</a:t>
             </a:fld>
             <a:endParaRPr lang="en-US" dirty="0"/>
           </a:p>
@@ -5262,7 +5276,7 @@
             <a:fld id="{B61BEF0D-F0BB-DE4B-95CE-6DB70DBA9567}" type="datetimeFigureOut">
               <a:rPr lang="en-US" dirty="0"/>
               <a:pPr/>
-              <a:t>7/18/2024</a:t>
+              <a:t>7/19/2024</a:t>
             </a:fld>
             <a:endParaRPr lang="en-US" dirty="0"/>
           </a:p>
@@ -5819,14 +5833,25 @@
             <p:ph type="subTitle" idx="1"/>
           </p:nvPr>
         </p:nvSpPr>
-        <p:spPr/>
+        <p:spPr>
+          <a:xfrm>
+            <a:off x="3962399" y="4134063"/>
+            <a:ext cx="7197726" cy="748330"/>
+          </a:xfrm>
+        </p:spPr>
         <p:txBody>
           <a:bodyPr>
-            <a:normAutofit fontScale="92500" lnSpcReduction="10000"/>
+            <a:normAutofit fontScale="85000" lnSpcReduction="20000"/>
           </a:bodyPr>
           <a:lstStyle/>
           <a:p>
             <a:r>
+              <a:rPr lang="es-ES" dirty="0"/>
+              <a:t>Sabemos que están ahí fuera</a:t>
+            </a:r>
+          </a:p>
+          <a:p>
+            <a:r>
               <a:rPr lang="es-ES" dirty="0" err="1"/>
               <a:t>Localizacion</a:t>
             </a:r>
@@ -5844,19 +5869,305 @@
             </a:r>
           </a:p>
           <a:p>
-            <a:r>
-              <a:rPr lang="es-ES" dirty="0"/>
-              <a:t>Sabemos que están ahí fuera</a:t>
-            </a:r>
-          </a:p>
-          <a:p>
             <a:endParaRPr lang="es-ES" dirty="0"/>
           </a:p>
-          <a:p>
-            <a:r>
-              <a:rPr lang="en-US" dirty="0"/>
+        </p:txBody>
+      </p:sp>
+      <p:sp>
+        <p:nvSpPr>
+          <p:cNvPr id="4" name="Subtítulo 2">
+            <a:extLst>
+              <a:ext uri="{FF2B5EF4-FFF2-40B4-BE49-F238E27FC236}">
+                <a16:creationId xmlns:a16="http://schemas.microsoft.com/office/drawing/2014/main" id="{7761F7D7-7144-4CF4-9204-273C6F312D82}"/>
+              </a:ext>
+            </a:extLst>
+          </p:cNvPr>
+          <p:cNvSpPr txBox="1">
+            <a:spLocks/>
+          </p:cNvSpPr>
+          <p:nvPr/>
+        </p:nvSpPr>
+        <p:spPr>
+          <a:xfrm>
+            <a:off x="3962399" y="5528033"/>
+            <a:ext cx="7197726" cy="939879"/>
+          </a:xfrm>
+          <a:prstGeom prst="rect">
+            <a:avLst/>
+          </a:prstGeom>
+        </p:spPr>
+        <p:txBody>
+          <a:bodyPr vert="horz" lIns="91440" tIns="45720" rIns="91440" bIns="45720" rtlCol="0" anchor="t">
+            <a:normAutofit fontScale="62500" lnSpcReduction="20000"/>
+          </a:bodyPr>
+          <a:lstStyle>
+            <a:lvl1pPr marL="0" indent="0" algn="r" defTabSz="457200" rtl="0" eaLnBrk="1" latinLnBrk="0" hangingPunct="1">
+              <a:spcBef>
+                <a:spcPts val="0"/>
+              </a:spcBef>
+              <a:spcAft>
+                <a:spcPts val="1000"/>
+              </a:spcAft>
+              <a:buClr>
+                <a:schemeClr val="tx1"/>
+              </a:buClr>
+              <a:buSzPct val="100000"/>
+              <a:buFont typeface="Arial"/>
+              <a:buNone/>
+              <a:defRPr sz="1800" kern="1200" cap="all">
+                <a:solidFill>
+                  <a:schemeClr val="tx1"/>
+                </a:solidFill>
+                <a:effectLst/>
+                <a:latin typeface="+mn-lt"/>
+                <a:ea typeface="+mn-ea"/>
+                <a:cs typeface="+mn-cs"/>
+              </a:defRPr>
+            </a:lvl1pPr>
+            <a:lvl2pPr marL="457200" indent="0" algn="ctr" defTabSz="457200" rtl="0" eaLnBrk="1" latinLnBrk="0" hangingPunct="1">
+              <a:spcBef>
+                <a:spcPts val="0"/>
+              </a:spcBef>
+              <a:spcAft>
+                <a:spcPts val="1000"/>
+              </a:spcAft>
+              <a:buClr>
+                <a:schemeClr val="tx1"/>
+              </a:buClr>
+              <a:buSzPct val="100000"/>
+              <a:buFont typeface="Arial"/>
+              <a:buNone/>
+              <a:defRPr sz="1600" kern="1200" cap="none">
+                <a:solidFill>
+                  <a:schemeClr val="tx1">
+                    <a:tint val="75000"/>
+                  </a:schemeClr>
+                </a:solidFill>
+                <a:effectLst/>
+                <a:latin typeface="+mn-lt"/>
+                <a:ea typeface="+mn-ea"/>
+                <a:cs typeface="+mn-cs"/>
+              </a:defRPr>
+            </a:lvl2pPr>
+            <a:lvl3pPr marL="914400" indent="0" algn="ctr" defTabSz="457200" rtl="0" eaLnBrk="1" latinLnBrk="0" hangingPunct="1">
+              <a:spcBef>
+                <a:spcPts val="0"/>
+              </a:spcBef>
+              <a:spcAft>
+                <a:spcPts val="1000"/>
+              </a:spcAft>
+              <a:buClr>
+                <a:schemeClr val="tx1"/>
+              </a:buClr>
+              <a:buSzPct val="100000"/>
+              <a:buFont typeface="Arial"/>
+              <a:buNone/>
+              <a:defRPr sz="1400" kern="1200" cap="none">
+                <a:solidFill>
+                  <a:schemeClr val="tx1">
+                    <a:tint val="75000"/>
+                  </a:schemeClr>
+                </a:solidFill>
+                <a:effectLst/>
+                <a:latin typeface="+mn-lt"/>
+                <a:ea typeface="+mn-ea"/>
+                <a:cs typeface="+mn-cs"/>
+              </a:defRPr>
+            </a:lvl3pPr>
+            <a:lvl4pPr marL="1371600" indent="0" algn="ctr" defTabSz="457200" rtl="0" eaLnBrk="1" latinLnBrk="0" hangingPunct="1">
+              <a:spcBef>
+                <a:spcPts val="0"/>
+              </a:spcBef>
+              <a:spcAft>
+                <a:spcPts val="1000"/>
+              </a:spcAft>
+              <a:buClr>
+                <a:schemeClr val="tx1"/>
+              </a:buClr>
+              <a:buSzPct val="100000"/>
+              <a:buFont typeface="Arial"/>
+              <a:buNone/>
+              <a:defRPr sz="1200" kern="1200" cap="none">
+                <a:solidFill>
+                  <a:schemeClr val="tx1">
+                    <a:tint val="75000"/>
+                  </a:schemeClr>
+                </a:solidFill>
+                <a:effectLst/>
+                <a:latin typeface="+mn-lt"/>
+                <a:ea typeface="+mn-ea"/>
+                <a:cs typeface="+mn-cs"/>
+              </a:defRPr>
+            </a:lvl4pPr>
+            <a:lvl5pPr marL="1828800" indent="0" algn="ctr" defTabSz="457200" rtl="0" eaLnBrk="1" latinLnBrk="0" hangingPunct="1">
+              <a:spcBef>
+                <a:spcPts val="0"/>
+              </a:spcBef>
+              <a:spcAft>
+                <a:spcPts val="1000"/>
+              </a:spcAft>
+              <a:buClr>
+                <a:schemeClr val="tx1"/>
+              </a:buClr>
+              <a:buSzPct val="100000"/>
+              <a:buFont typeface="Arial"/>
+              <a:buNone/>
+              <a:defRPr sz="1200" kern="1200" cap="none">
+                <a:solidFill>
+                  <a:schemeClr val="tx1">
+                    <a:tint val="75000"/>
+                  </a:schemeClr>
+                </a:solidFill>
+                <a:effectLst/>
+                <a:latin typeface="+mn-lt"/>
+                <a:ea typeface="+mn-ea"/>
+                <a:cs typeface="+mn-cs"/>
+              </a:defRPr>
+            </a:lvl5pPr>
+            <a:lvl6pPr marL="2286000" indent="0" algn="ctr" defTabSz="457200" rtl="0" eaLnBrk="1" latinLnBrk="0" hangingPunct="1">
+              <a:spcBef>
+                <a:spcPts val="0"/>
+              </a:spcBef>
+              <a:spcAft>
+                <a:spcPts val="1000"/>
+              </a:spcAft>
+              <a:buClr>
+                <a:schemeClr val="tx1"/>
+              </a:buClr>
+              <a:buSzPct val="100000"/>
+              <a:buFont typeface="Arial"/>
+              <a:buNone/>
+              <a:defRPr sz="1200" kern="1200" cap="none">
+                <a:solidFill>
+                  <a:schemeClr val="tx1">
+                    <a:tint val="75000"/>
+                  </a:schemeClr>
+                </a:solidFill>
+                <a:effectLst/>
+                <a:latin typeface="+mn-lt"/>
+                <a:ea typeface="+mn-ea"/>
+                <a:cs typeface="+mn-cs"/>
+              </a:defRPr>
+            </a:lvl6pPr>
+            <a:lvl7pPr marL="2743200" indent="0" algn="ctr" defTabSz="457200" rtl="0" eaLnBrk="1" latinLnBrk="0" hangingPunct="1">
+              <a:spcBef>
+                <a:spcPts val="0"/>
+              </a:spcBef>
+              <a:spcAft>
+                <a:spcPts val="1000"/>
+              </a:spcAft>
+              <a:buClr>
+                <a:schemeClr val="tx1"/>
+              </a:buClr>
+              <a:buSzPct val="100000"/>
+              <a:buFont typeface="Arial"/>
+              <a:buNone/>
+              <a:defRPr sz="1200" kern="1200" cap="none">
+                <a:solidFill>
+                  <a:schemeClr val="tx1">
+                    <a:tint val="75000"/>
+                  </a:schemeClr>
+                </a:solidFill>
+                <a:effectLst/>
+                <a:latin typeface="+mn-lt"/>
+                <a:ea typeface="+mn-ea"/>
+                <a:cs typeface="+mn-cs"/>
+              </a:defRPr>
+            </a:lvl7pPr>
+            <a:lvl8pPr marL="3200400" indent="0" algn="ctr" defTabSz="457200" rtl="0" eaLnBrk="1" latinLnBrk="0" hangingPunct="1">
+              <a:spcBef>
+                <a:spcPts val="0"/>
+              </a:spcBef>
+              <a:spcAft>
+                <a:spcPts val="1000"/>
+              </a:spcAft>
+              <a:buClr>
+                <a:schemeClr val="tx1"/>
+              </a:buClr>
+              <a:buSzPct val="100000"/>
+              <a:buFont typeface="Arial"/>
+              <a:buNone/>
+              <a:defRPr sz="1200" kern="1200" cap="none">
+                <a:solidFill>
+                  <a:schemeClr val="tx1">
+                    <a:tint val="75000"/>
+                  </a:schemeClr>
+                </a:solidFill>
+                <a:effectLst/>
+                <a:latin typeface="+mn-lt"/>
+                <a:ea typeface="+mn-ea"/>
+                <a:cs typeface="+mn-cs"/>
+              </a:defRPr>
+            </a:lvl8pPr>
+            <a:lvl9pPr marL="3657600" indent="0" algn="ctr" defTabSz="457200" rtl="0" eaLnBrk="1" latinLnBrk="0" hangingPunct="1">
+              <a:spcBef>
+                <a:spcPts val="0"/>
+              </a:spcBef>
+              <a:spcAft>
+                <a:spcPts val="1000"/>
+              </a:spcAft>
+              <a:buClr>
+                <a:schemeClr val="tx1"/>
+              </a:buClr>
+              <a:buSzPct val="100000"/>
+              <a:buFont typeface="Arial"/>
+              <a:buNone/>
+              <a:defRPr sz="1200" kern="1200" cap="none">
+                <a:solidFill>
+                  <a:schemeClr val="tx1">
+                    <a:tint val="75000"/>
+                  </a:schemeClr>
+                </a:solidFill>
+                <a:effectLst/>
+                <a:latin typeface="+mn-lt"/>
+                <a:ea typeface="+mn-ea"/>
+                <a:cs typeface="+mn-cs"/>
+              </a:defRPr>
+            </a:lvl9pPr>
+          </a:lstStyle>
+          <a:p>
+            <a:endParaRPr lang="es-ES" dirty="0"/>
+          </a:p>
+          <a:p>
+            <a:r>
+              <a:rPr lang="en-US" i="1" dirty="0"/>
               <a:t>Proyecto Machine Learning - Bootcamp The Bridge</a:t>
             </a:r>
+          </a:p>
+          <a:p>
+            <a:r>
+              <a:rPr lang="en-US" i="1" dirty="0"/>
+              <a:t>Pedro </a:t>
+            </a:r>
+            <a:r>
+              <a:rPr lang="en-US" i="1" dirty="0" err="1"/>
+              <a:t>i</a:t>
+            </a:r>
+            <a:r>
+              <a:rPr lang="en-US" i="1" dirty="0"/>
+              <a:t>. </a:t>
+            </a:r>
+            <a:r>
+              <a:rPr lang="en-US" i="1" dirty="0" err="1"/>
+              <a:t>perez</a:t>
+            </a:r>
+            <a:r>
+              <a:rPr lang="en-US" i="1" dirty="0"/>
+              <a:t> </a:t>
+            </a:r>
+            <a:r>
+              <a:rPr lang="en-US" i="1" dirty="0" err="1"/>
+              <a:t>mira</a:t>
+            </a:r>
+            <a:endParaRPr lang="en-US" i="1" dirty="0"/>
+          </a:p>
+          <a:p>
+            <a:endParaRPr lang="en-US" dirty="0"/>
+          </a:p>
+          <a:p>
+            <a:endParaRPr lang="en-US" dirty="0"/>
+          </a:p>
+          <a:p>
             <a:endParaRPr lang="es-ES" dirty="0"/>
           </a:p>
         </p:txBody>
@@ -5865,6 +6176,649 @@
     <p:extLst>
       <p:ext uri="{BB962C8B-B14F-4D97-AF65-F5344CB8AC3E}">
         <p14:creationId xmlns:p14="http://schemas.microsoft.com/office/powerpoint/2010/main" val="3809685317"/>
+      </p:ext>
+    </p:extLst>
+  </p:cSld>
+  <p:clrMapOvr>
+    <a:masterClrMapping/>
+  </p:clrMapOvr>
+</p:sld>
+</file>
+
+<file path=ppt/slides/slide10.xml><?xml version="1.0" encoding="utf-8"?>
+<p:sld xmlns:a="http://schemas.openxmlformats.org/drawingml/2006/main" xmlns:r="http://schemas.openxmlformats.org/officeDocument/2006/relationships" xmlns:p="http://schemas.openxmlformats.org/presentationml/2006/main">
+  <p:cSld>
+    <p:spTree>
+      <p:nvGrpSpPr>
+        <p:cNvPr id="1" name=""/>
+        <p:cNvGrpSpPr/>
+        <p:nvPr/>
+      </p:nvGrpSpPr>
+      <p:grpSpPr>
+        <a:xfrm>
+          <a:off x="0" y="0"/>
+          <a:ext cx="0" cy="0"/>
+          <a:chOff x="0" y="0"/>
+          <a:chExt cx="0" cy="0"/>
+        </a:xfrm>
+      </p:grpSpPr>
+      <p:sp>
+        <p:nvSpPr>
+          <p:cNvPr id="10" name="CuadroTexto 9">
+            <a:extLst>
+              <a:ext uri="{FF2B5EF4-FFF2-40B4-BE49-F238E27FC236}">
+                <a16:creationId xmlns:a16="http://schemas.microsoft.com/office/drawing/2014/main" id="{ABCF4F7C-F0B4-4432-9B24-07D1108689AD}"/>
+              </a:ext>
+            </a:extLst>
+          </p:cNvPr>
+          <p:cNvSpPr txBox="1"/>
+          <p:nvPr/>
+        </p:nvSpPr>
+        <p:spPr>
+          <a:xfrm>
+            <a:off x="326571" y="796741"/>
+            <a:ext cx="5084552" cy="5078313"/>
+          </a:xfrm>
+          <a:prstGeom prst="rect">
+            <a:avLst/>
+          </a:prstGeom>
+          <a:noFill/>
+        </p:spPr>
+        <p:txBody>
+          <a:bodyPr wrap="square">
+            <a:spAutoFit/>
+          </a:bodyPr>
+          <a:lstStyle/>
+          <a:p>
+            <a:r>
+              <a:rPr lang="es-ES" b="0" dirty="0">
+                <a:solidFill>
+                  <a:srgbClr val="CCCCCC"/>
+                </a:solidFill>
+                <a:effectLst/>
+                <a:latin typeface="Bookman Old Style" panose="02050604050505020204" pitchFamily="18" charset="0"/>
+              </a:rPr>
+              <a:t>10. Conclusiones.</a:t>
+            </a:r>
+          </a:p>
+          <a:p>
+            <a:br>
+              <a:rPr lang="es-ES" sz="1800" dirty="0">
+                <a:latin typeface="Bookman Old Style" panose="02050604050505020204" pitchFamily="18" charset="0"/>
+              </a:rPr>
+            </a:br>
+            <a:r>
+              <a:rPr lang="es-ES" b="0" dirty="0">
+                <a:solidFill>
+                  <a:srgbClr val="CCCCCC"/>
+                </a:solidFill>
+                <a:effectLst/>
+                <a:latin typeface="Bookman Old Style" panose="02050604050505020204" pitchFamily="18" charset="0"/>
+              </a:rPr>
+              <a:t>Obtenemos un </a:t>
+            </a:r>
+            <a:r>
+              <a:rPr lang="es-ES" b="0" dirty="0" err="1">
+                <a:solidFill>
+                  <a:srgbClr val="CCCCCC"/>
+                </a:solidFill>
+                <a:effectLst/>
+                <a:latin typeface="Bookman Old Style" panose="02050604050505020204" pitchFamily="18" charset="0"/>
+              </a:rPr>
+              <a:t>accuracy</a:t>
+            </a:r>
+            <a:r>
+              <a:rPr lang="es-ES" b="0" dirty="0">
+                <a:solidFill>
+                  <a:srgbClr val="CCCCCC"/>
+                </a:solidFill>
+                <a:effectLst/>
+                <a:latin typeface="Bookman Old Style" panose="02050604050505020204" pitchFamily="18" charset="0"/>
+              </a:rPr>
+              <a:t> creo que satisfactorio para nuestro objetivo que es acertar lo mas posible en la clase CONFIRMADO (2).</a:t>
+            </a:r>
+          </a:p>
+          <a:p>
+            <a:br>
+              <a:rPr lang="es-ES" b="0" dirty="0">
+                <a:solidFill>
+                  <a:srgbClr val="CCCCCC"/>
+                </a:solidFill>
+                <a:effectLst/>
+                <a:latin typeface="Bookman Old Style" panose="02050604050505020204" pitchFamily="18" charset="0"/>
+              </a:rPr>
+            </a:br>
+            <a:r>
+              <a:rPr lang="es-ES" b="0" dirty="0">
+                <a:solidFill>
+                  <a:srgbClr val="CCCCCC"/>
+                </a:solidFill>
+                <a:effectLst/>
+                <a:latin typeface="Bookman Old Style" panose="02050604050505020204" pitchFamily="18" charset="0"/>
+              </a:rPr>
+              <a:t>El modelo acierta en el 85% de los casos.</a:t>
+            </a:r>
+          </a:p>
+          <a:p>
+            <a:br>
+              <a:rPr lang="es-ES" b="0" dirty="0">
+                <a:solidFill>
+                  <a:srgbClr val="CCCCCC"/>
+                </a:solidFill>
+                <a:effectLst/>
+                <a:latin typeface="Bookman Old Style" panose="02050604050505020204" pitchFamily="18" charset="0"/>
+              </a:rPr>
+            </a:br>
+            <a:r>
+              <a:rPr lang="es-ES" b="0" dirty="0">
+                <a:solidFill>
+                  <a:srgbClr val="CCCCCC"/>
+                </a:solidFill>
+                <a:effectLst/>
+                <a:latin typeface="Bookman Old Style" panose="02050604050505020204" pitchFamily="18" charset="0"/>
+              </a:rPr>
+              <a:t>En un 18% califica confirmado los que son realmente candidato, pero esto teniendo en cuenta que un porcentaje de los candidatos pudieran ser realmente exoplanetas nos aporta cierto valor.</a:t>
+            </a:r>
+          </a:p>
+          <a:p>
+            <a:br>
+              <a:rPr lang="es-ES" b="0" dirty="0">
+                <a:solidFill>
+                  <a:srgbClr val="CCCCCC"/>
+                </a:solidFill>
+                <a:effectLst/>
+                <a:latin typeface="Bookman Old Style" panose="02050604050505020204" pitchFamily="18" charset="0"/>
+              </a:rPr>
+            </a:br>
+            <a:r>
+              <a:rPr lang="es-ES" b="0" dirty="0">
+                <a:solidFill>
+                  <a:srgbClr val="CCCCCC"/>
+                </a:solidFill>
+                <a:effectLst/>
+                <a:latin typeface="Bookman Old Style" panose="02050604050505020204" pitchFamily="18" charset="0"/>
+              </a:rPr>
+              <a:t>Solamente falla totalmente en un 3% que califica como confirmado los que son falsos positivos.</a:t>
+            </a:r>
+            <a:endParaRPr lang="es-ES" dirty="0">
+              <a:latin typeface="Bookman Old Style" panose="02050604050505020204" pitchFamily="18" charset="0"/>
+            </a:endParaRPr>
+          </a:p>
+        </p:txBody>
+      </p:sp>
+      <p:sp>
+        <p:nvSpPr>
+          <p:cNvPr id="6" name="Título 1">
+            <a:extLst>
+              <a:ext uri="{FF2B5EF4-FFF2-40B4-BE49-F238E27FC236}">
+                <a16:creationId xmlns:a16="http://schemas.microsoft.com/office/drawing/2014/main" id="{5A58B98D-9878-42F2-B7B4-36911516E291}"/>
+              </a:ext>
+            </a:extLst>
+          </p:cNvPr>
+          <p:cNvSpPr txBox="1">
+            <a:spLocks/>
+          </p:cNvSpPr>
+          <p:nvPr/>
+        </p:nvSpPr>
+        <p:spPr>
+          <a:xfrm>
+            <a:off x="326571" y="167277"/>
+            <a:ext cx="7678010" cy="536439"/>
+          </a:xfrm>
+          <a:prstGeom prst="rect">
+            <a:avLst/>
+          </a:prstGeom>
+          <a:effectLst/>
+        </p:spPr>
+        <p:txBody>
+          <a:bodyPr vert="horz" lIns="91440" tIns="45720" rIns="91440" bIns="45720" rtlCol="0" anchor="b">
+            <a:normAutofit fontScale="70000" lnSpcReduction="20000"/>
+          </a:bodyPr>
+          <a:lstStyle>
+            <a:lvl1pPr algn="r" defTabSz="457200" rtl="0" eaLnBrk="1" latinLnBrk="0" hangingPunct="1">
+              <a:spcBef>
+                <a:spcPct val="0"/>
+              </a:spcBef>
+              <a:buNone/>
+              <a:defRPr sz="4800" kern="1200" cap="all">
+                <a:ln w="3175" cmpd="sng">
+                  <a:noFill/>
+                </a:ln>
+                <a:solidFill>
+                  <a:schemeClr val="tx1"/>
+                </a:solidFill>
+                <a:effectLst/>
+                <a:latin typeface="+mj-lt"/>
+                <a:ea typeface="+mj-ea"/>
+                <a:cs typeface="+mj-cs"/>
+              </a:defRPr>
+            </a:lvl1pPr>
+            <a:lvl2pPr eaLnBrk="1" hangingPunct="1">
+              <a:defRPr>
+                <a:solidFill>
+                  <a:schemeClr val="tx2"/>
+                </a:solidFill>
+              </a:defRPr>
+            </a:lvl2pPr>
+            <a:lvl3pPr eaLnBrk="1" hangingPunct="1">
+              <a:defRPr>
+                <a:solidFill>
+                  <a:schemeClr val="tx2"/>
+                </a:solidFill>
+              </a:defRPr>
+            </a:lvl3pPr>
+            <a:lvl4pPr eaLnBrk="1" hangingPunct="1">
+              <a:defRPr>
+                <a:solidFill>
+                  <a:schemeClr val="tx2"/>
+                </a:solidFill>
+              </a:defRPr>
+            </a:lvl4pPr>
+            <a:lvl5pPr eaLnBrk="1" hangingPunct="1">
+              <a:defRPr>
+                <a:solidFill>
+                  <a:schemeClr val="tx2"/>
+                </a:solidFill>
+              </a:defRPr>
+            </a:lvl5pPr>
+            <a:lvl6pPr eaLnBrk="1" hangingPunct="1">
+              <a:defRPr>
+                <a:solidFill>
+                  <a:schemeClr val="tx2"/>
+                </a:solidFill>
+              </a:defRPr>
+            </a:lvl6pPr>
+            <a:lvl7pPr eaLnBrk="1" hangingPunct="1">
+              <a:defRPr>
+                <a:solidFill>
+                  <a:schemeClr val="tx2"/>
+                </a:solidFill>
+              </a:defRPr>
+            </a:lvl7pPr>
+            <a:lvl8pPr eaLnBrk="1" hangingPunct="1">
+              <a:defRPr>
+                <a:solidFill>
+                  <a:schemeClr val="tx2"/>
+                </a:solidFill>
+              </a:defRPr>
+            </a:lvl8pPr>
+            <a:lvl9pPr eaLnBrk="1" hangingPunct="1">
+              <a:defRPr>
+                <a:solidFill>
+                  <a:schemeClr val="tx2"/>
+                </a:solidFill>
+              </a:defRPr>
+            </a:lvl9pPr>
+          </a:lstStyle>
+          <a:p>
+            <a:pPr algn="l"/>
+            <a:r>
+              <a:rPr lang="es-ES" b="1" dirty="0"/>
+              <a:t>DESARROLLO DEL MODELO</a:t>
+            </a:r>
+          </a:p>
+        </p:txBody>
+      </p:sp>
+      <p:pic>
+        <p:nvPicPr>
+          <p:cNvPr id="3" name="Imagen 2">
+            <a:extLst>
+              <a:ext uri="{FF2B5EF4-FFF2-40B4-BE49-F238E27FC236}">
+                <a16:creationId xmlns:a16="http://schemas.microsoft.com/office/drawing/2014/main" id="{E1162359-03BB-4D4B-973D-89B50F49D008}"/>
+              </a:ext>
+            </a:extLst>
+          </p:cNvPr>
+          <p:cNvPicPr>
+            <a:picLocks noChangeAspect="1"/>
+          </p:cNvPicPr>
+          <p:nvPr/>
+        </p:nvPicPr>
+        <p:blipFill>
+          <a:blip r:embed="rId2"/>
+          <a:stretch>
+            <a:fillRect/>
+          </a:stretch>
+        </p:blipFill>
+        <p:spPr>
+          <a:xfrm>
+            <a:off x="5549900" y="381000"/>
+            <a:ext cx="6545517" cy="5632796"/>
+          </a:xfrm>
+          <a:prstGeom prst="rect">
+            <a:avLst/>
+          </a:prstGeom>
+        </p:spPr>
+      </p:pic>
+    </p:spTree>
+    <p:extLst>
+      <p:ext uri="{BB962C8B-B14F-4D97-AF65-F5344CB8AC3E}">
+        <p14:creationId xmlns:p14="http://schemas.microsoft.com/office/powerpoint/2010/main" val="1531355727"/>
+      </p:ext>
+    </p:extLst>
+  </p:cSld>
+  <p:clrMapOvr>
+    <a:masterClrMapping/>
+  </p:clrMapOvr>
+</p:sld>
+</file>
+
+<file path=ppt/slides/slide11.xml><?xml version="1.0" encoding="utf-8"?>
+<p:sld xmlns:a="http://schemas.openxmlformats.org/drawingml/2006/main" xmlns:r="http://schemas.openxmlformats.org/officeDocument/2006/relationships" xmlns:p="http://schemas.openxmlformats.org/presentationml/2006/main">
+  <p:cSld>
+    <p:spTree>
+      <p:nvGrpSpPr>
+        <p:cNvPr id="1" name=""/>
+        <p:cNvGrpSpPr/>
+        <p:nvPr/>
+      </p:nvGrpSpPr>
+      <p:grpSpPr>
+        <a:xfrm>
+          <a:off x="0" y="0"/>
+          <a:ext cx="0" cy="0"/>
+          <a:chOff x="0" y="0"/>
+          <a:chExt cx="0" cy="0"/>
+        </a:xfrm>
+      </p:grpSpPr>
+      <p:sp>
+        <p:nvSpPr>
+          <p:cNvPr id="10" name="CuadroTexto 9">
+            <a:extLst>
+              <a:ext uri="{FF2B5EF4-FFF2-40B4-BE49-F238E27FC236}">
+                <a16:creationId xmlns:a16="http://schemas.microsoft.com/office/drawing/2014/main" id="{ABCF4F7C-F0B4-4432-9B24-07D1108689AD}"/>
+              </a:ext>
+            </a:extLst>
+          </p:cNvPr>
+          <p:cNvSpPr txBox="1"/>
+          <p:nvPr/>
+        </p:nvSpPr>
+        <p:spPr>
+          <a:xfrm>
+            <a:off x="4737100" y="1397675"/>
+            <a:ext cx="7112000" cy="2308324"/>
+          </a:xfrm>
+          <a:prstGeom prst="rect">
+            <a:avLst/>
+          </a:prstGeom>
+          <a:noFill/>
+        </p:spPr>
+        <p:txBody>
+          <a:bodyPr wrap="square">
+            <a:spAutoFit/>
+          </a:bodyPr>
+          <a:lstStyle/>
+          <a:p>
+            <a:r>
+              <a:rPr lang="es-ES" dirty="0">
+                <a:solidFill>
+                  <a:srgbClr val="CCCCCC"/>
+                </a:solidFill>
+                <a:latin typeface="Bookman Old Style" panose="02050604050505020204" pitchFamily="18" charset="0"/>
+              </a:rPr>
+              <a:t>	</a:t>
+            </a:r>
+            <a:r>
+              <a:rPr lang="es-ES" b="0" dirty="0">
+                <a:solidFill>
+                  <a:srgbClr val="CCCCCC"/>
+                </a:solidFill>
+                <a:effectLst/>
+                <a:latin typeface="Bookman Old Style" panose="02050604050505020204" pitchFamily="18" charset="0"/>
+              </a:rPr>
+              <a:t> </a:t>
+            </a:r>
+          </a:p>
+          <a:p>
+            <a:r>
+              <a:rPr lang="es-ES" b="0" dirty="0">
+                <a:solidFill>
+                  <a:srgbClr val="CCCCCC"/>
+                </a:solidFill>
+                <a:effectLst/>
+                <a:latin typeface="Bookman Old Style" panose="02050604050505020204" pitchFamily="18" charset="0"/>
+              </a:rPr>
+              <a:t>Para evaluar la eficiencia definitiva del modelo </a:t>
+            </a:r>
+            <a:r>
+              <a:rPr lang="es-ES" b="0" dirty="0" err="1">
+                <a:solidFill>
+                  <a:srgbClr val="CCCCCC"/>
+                </a:solidFill>
+                <a:effectLst/>
+                <a:latin typeface="Bookman Old Style" panose="02050604050505020204" pitchFamily="18" charset="0"/>
+              </a:rPr>
+              <a:t>habria</a:t>
+            </a:r>
+            <a:r>
+              <a:rPr lang="es-ES" b="0" dirty="0">
+                <a:solidFill>
+                  <a:srgbClr val="CCCCCC"/>
+                </a:solidFill>
+                <a:effectLst/>
+                <a:latin typeface="Bookman Old Style" panose="02050604050505020204" pitchFamily="18" charset="0"/>
+              </a:rPr>
+              <a:t> calcular los costes/beneficios con los datos de negocio.</a:t>
+            </a:r>
+          </a:p>
+          <a:p>
+            <a:endParaRPr lang="es-ES" sz="1800" dirty="0">
+              <a:latin typeface="Bookman Old Style" panose="02050604050505020204" pitchFamily="18" charset="0"/>
+            </a:endParaRPr>
+          </a:p>
+          <a:p>
+            <a:endParaRPr lang="es-ES" dirty="0">
+              <a:latin typeface="Bookman Old Style" panose="02050604050505020204" pitchFamily="18" charset="0"/>
+            </a:endParaRPr>
+          </a:p>
+          <a:p>
+            <a:endParaRPr lang="es-ES" dirty="0">
+              <a:latin typeface="Bookman Old Style" panose="02050604050505020204" pitchFamily="18" charset="0"/>
+            </a:endParaRPr>
+          </a:p>
+          <a:p>
+            <a:r>
+              <a:rPr lang="es-ES" dirty="0">
+                <a:latin typeface="Bookman Old Style" panose="02050604050505020204" pitchFamily="18" charset="0"/>
+              </a:rPr>
+              <a:t>Probar con Deep </a:t>
+            </a:r>
+            <a:r>
+              <a:rPr lang="es-ES" dirty="0" err="1">
+                <a:latin typeface="Bookman Old Style" panose="02050604050505020204" pitchFamily="18" charset="0"/>
+              </a:rPr>
+              <a:t>Leearning</a:t>
+            </a:r>
+            <a:r>
+              <a:rPr lang="es-ES" dirty="0">
+                <a:latin typeface="Bookman Old Style" panose="02050604050505020204" pitchFamily="18" charset="0"/>
+              </a:rPr>
+              <a:t> para mejorar el resultado.</a:t>
+            </a:r>
+            <a:br>
+              <a:rPr lang="es-ES" sz="1800" dirty="0">
+                <a:latin typeface="Bookman Old Style" panose="02050604050505020204" pitchFamily="18" charset="0"/>
+              </a:rPr>
+            </a:br>
+            <a:endParaRPr lang="es-ES" dirty="0">
+              <a:latin typeface="Bookman Old Style" panose="02050604050505020204" pitchFamily="18" charset="0"/>
+            </a:endParaRPr>
+          </a:p>
+        </p:txBody>
+      </p:sp>
+      <p:sp>
+        <p:nvSpPr>
+          <p:cNvPr id="6" name="Título 1">
+            <a:extLst>
+              <a:ext uri="{FF2B5EF4-FFF2-40B4-BE49-F238E27FC236}">
+                <a16:creationId xmlns:a16="http://schemas.microsoft.com/office/drawing/2014/main" id="{5A58B98D-9878-42F2-B7B4-36911516E291}"/>
+              </a:ext>
+            </a:extLst>
+          </p:cNvPr>
+          <p:cNvSpPr txBox="1">
+            <a:spLocks/>
+          </p:cNvSpPr>
+          <p:nvPr/>
+        </p:nvSpPr>
+        <p:spPr>
+          <a:xfrm>
+            <a:off x="4898571" y="357777"/>
+            <a:ext cx="6188529" cy="536439"/>
+          </a:xfrm>
+          <a:prstGeom prst="rect">
+            <a:avLst/>
+          </a:prstGeom>
+          <a:effectLst/>
+        </p:spPr>
+        <p:txBody>
+          <a:bodyPr vert="horz" lIns="91440" tIns="45720" rIns="91440" bIns="45720" rtlCol="0" anchor="b">
+            <a:normAutofit fontScale="70000" lnSpcReduction="20000"/>
+          </a:bodyPr>
+          <a:lstStyle>
+            <a:lvl1pPr algn="r" defTabSz="457200" rtl="0" eaLnBrk="1" latinLnBrk="0" hangingPunct="1">
+              <a:spcBef>
+                <a:spcPct val="0"/>
+              </a:spcBef>
+              <a:buNone/>
+              <a:defRPr sz="4800" kern="1200" cap="all">
+                <a:ln w="3175" cmpd="sng">
+                  <a:noFill/>
+                </a:ln>
+                <a:solidFill>
+                  <a:schemeClr val="tx1"/>
+                </a:solidFill>
+                <a:effectLst/>
+                <a:latin typeface="+mj-lt"/>
+                <a:ea typeface="+mj-ea"/>
+                <a:cs typeface="+mj-cs"/>
+              </a:defRPr>
+            </a:lvl1pPr>
+            <a:lvl2pPr eaLnBrk="1" hangingPunct="1">
+              <a:defRPr>
+                <a:solidFill>
+                  <a:schemeClr val="tx2"/>
+                </a:solidFill>
+              </a:defRPr>
+            </a:lvl2pPr>
+            <a:lvl3pPr eaLnBrk="1" hangingPunct="1">
+              <a:defRPr>
+                <a:solidFill>
+                  <a:schemeClr val="tx2"/>
+                </a:solidFill>
+              </a:defRPr>
+            </a:lvl3pPr>
+            <a:lvl4pPr eaLnBrk="1" hangingPunct="1">
+              <a:defRPr>
+                <a:solidFill>
+                  <a:schemeClr val="tx2"/>
+                </a:solidFill>
+              </a:defRPr>
+            </a:lvl4pPr>
+            <a:lvl5pPr eaLnBrk="1" hangingPunct="1">
+              <a:defRPr>
+                <a:solidFill>
+                  <a:schemeClr val="tx2"/>
+                </a:solidFill>
+              </a:defRPr>
+            </a:lvl5pPr>
+            <a:lvl6pPr eaLnBrk="1" hangingPunct="1">
+              <a:defRPr>
+                <a:solidFill>
+                  <a:schemeClr val="tx2"/>
+                </a:solidFill>
+              </a:defRPr>
+            </a:lvl6pPr>
+            <a:lvl7pPr eaLnBrk="1" hangingPunct="1">
+              <a:defRPr>
+                <a:solidFill>
+                  <a:schemeClr val="tx2"/>
+                </a:solidFill>
+              </a:defRPr>
+            </a:lvl7pPr>
+            <a:lvl8pPr eaLnBrk="1" hangingPunct="1">
+              <a:defRPr>
+                <a:solidFill>
+                  <a:schemeClr val="tx2"/>
+                </a:solidFill>
+              </a:defRPr>
+            </a:lvl8pPr>
+            <a:lvl9pPr eaLnBrk="1" hangingPunct="1">
+              <a:defRPr>
+                <a:solidFill>
+                  <a:schemeClr val="tx2"/>
+                </a:solidFill>
+              </a:defRPr>
+            </a:lvl9pPr>
+          </a:lstStyle>
+          <a:p>
+            <a:pPr algn="l"/>
+            <a:r>
+              <a:rPr lang="es-ES" b="1" dirty="0"/>
+              <a:t>PROXIMOS PASOS</a:t>
+            </a:r>
+          </a:p>
+        </p:txBody>
+      </p:sp>
+    </p:spTree>
+    <p:extLst>
+      <p:ext uri="{BB962C8B-B14F-4D97-AF65-F5344CB8AC3E}">
+        <p14:creationId xmlns:p14="http://schemas.microsoft.com/office/powerpoint/2010/main" val="1711140027"/>
+      </p:ext>
+    </p:extLst>
+  </p:cSld>
+  <p:clrMapOvr>
+    <a:masterClrMapping/>
+  </p:clrMapOvr>
+</p:sld>
+</file>
+
+<file path=ppt/slides/slide12.xml><?xml version="1.0" encoding="utf-8"?>
+<p:sld xmlns:a="http://schemas.openxmlformats.org/drawingml/2006/main" xmlns:r="http://schemas.openxmlformats.org/officeDocument/2006/relationships" xmlns:p="http://schemas.openxmlformats.org/presentationml/2006/main">
+  <p:cSld>
+    <p:spTree>
+      <p:nvGrpSpPr>
+        <p:cNvPr id="1" name=""/>
+        <p:cNvGrpSpPr/>
+        <p:nvPr/>
+      </p:nvGrpSpPr>
+      <p:grpSpPr>
+        <a:xfrm>
+          <a:off x="0" y="0"/>
+          <a:ext cx="0" cy="0"/>
+          <a:chOff x="0" y="0"/>
+          <a:chExt cx="0" cy="0"/>
+        </a:xfrm>
+      </p:grpSpPr>
+      <p:sp>
+        <p:nvSpPr>
+          <p:cNvPr id="2" name="Título 1">
+            <a:extLst>
+              <a:ext uri="{FF2B5EF4-FFF2-40B4-BE49-F238E27FC236}">
+                <a16:creationId xmlns:a16="http://schemas.microsoft.com/office/drawing/2014/main" id="{E4C93E6D-718D-4572-BFD5-FB35C42C1C69}"/>
+              </a:ext>
+            </a:extLst>
+          </p:cNvPr>
+          <p:cNvSpPr>
+            <a:spLocks noGrp="1"/>
+          </p:cNvSpPr>
+          <p:nvPr>
+            <p:ph type="ctrTitle"/>
+          </p:nvPr>
+        </p:nvSpPr>
+        <p:spPr/>
+        <p:txBody>
+          <a:bodyPr/>
+          <a:lstStyle/>
+          <a:p>
+            <a:r>
+              <a:rPr lang="es-ES" dirty="0"/>
+              <a:t>ANY QUESTION?</a:t>
+            </a:r>
+          </a:p>
+        </p:txBody>
+      </p:sp>
+    </p:spTree>
+    <p:extLst>
+      <p:ext uri="{BB962C8B-B14F-4D97-AF65-F5344CB8AC3E}">
+        <p14:creationId xmlns:p14="http://schemas.microsoft.com/office/powerpoint/2010/main" val="1079709252"/>
       </p:ext>
     </p:extLst>
   </p:cSld>
@@ -5893,164 +6847,254 @@
       </p:grpSpPr>
       <p:sp>
         <p:nvSpPr>
-          <p:cNvPr id="2" name="Título 1">
+          <p:cNvPr id="5" name="Título 1">
             <a:extLst>
               <a:ext uri="{FF2B5EF4-FFF2-40B4-BE49-F238E27FC236}">
-                <a16:creationId xmlns:a16="http://schemas.microsoft.com/office/drawing/2014/main" id="{E4C93E6D-718D-4572-BFD5-FB35C42C1C69}"/>
+                <a16:creationId xmlns:a16="http://schemas.microsoft.com/office/drawing/2014/main" id="{505E55B7-1A99-447E-846A-3B89BCF9C6A9}"/>
               </a:ext>
             </a:extLst>
           </p:cNvPr>
-          <p:cNvSpPr>
-            <a:spLocks noGrp="1"/>
-          </p:cNvSpPr>
-          <p:nvPr>
-            <p:ph type="ctrTitle"/>
-          </p:nvPr>
+          <p:cNvSpPr txBox="1">
+            <a:spLocks/>
+          </p:cNvSpPr>
+          <p:nvPr/>
         </p:nvSpPr>
         <p:spPr>
           <a:xfrm>
-            <a:off x="3962399" y="813732"/>
-            <a:ext cx="7197726" cy="5545123"/>
+            <a:off x="237687" y="43187"/>
+            <a:ext cx="7197726" cy="770545"/>
           </a:xfrm>
+          <a:prstGeom prst="rect">
+            <a:avLst/>
+          </a:prstGeom>
+          <a:effectLst/>
         </p:spPr>
         <p:txBody>
-          <a:bodyPr>
-            <a:normAutofit/>
+          <a:bodyPr vert="horz" lIns="91440" tIns="45720" rIns="91440" bIns="45720" rtlCol="0" anchor="b">
+            <a:normAutofit lnSpcReduction="10000"/>
+          </a:bodyPr>
+          <a:lstStyle>
+            <a:lvl1pPr algn="r" defTabSz="457200" rtl="0" eaLnBrk="1" latinLnBrk="0" hangingPunct="1">
+              <a:spcBef>
+                <a:spcPct val="0"/>
+              </a:spcBef>
+              <a:buNone/>
+              <a:defRPr sz="4800" kern="1200" cap="all">
+                <a:ln w="3175" cmpd="sng">
+                  <a:noFill/>
+                </a:ln>
+                <a:solidFill>
+                  <a:schemeClr val="tx1"/>
+                </a:solidFill>
+                <a:effectLst/>
+                <a:latin typeface="+mj-lt"/>
+                <a:ea typeface="+mj-ea"/>
+                <a:cs typeface="+mj-cs"/>
+              </a:defRPr>
+            </a:lvl1pPr>
+            <a:lvl2pPr eaLnBrk="1" hangingPunct="1">
+              <a:defRPr>
+                <a:solidFill>
+                  <a:schemeClr val="tx2"/>
+                </a:solidFill>
+              </a:defRPr>
+            </a:lvl2pPr>
+            <a:lvl3pPr eaLnBrk="1" hangingPunct="1">
+              <a:defRPr>
+                <a:solidFill>
+                  <a:schemeClr val="tx2"/>
+                </a:solidFill>
+              </a:defRPr>
+            </a:lvl3pPr>
+            <a:lvl4pPr eaLnBrk="1" hangingPunct="1">
+              <a:defRPr>
+                <a:solidFill>
+                  <a:schemeClr val="tx2"/>
+                </a:solidFill>
+              </a:defRPr>
+            </a:lvl4pPr>
+            <a:lvl5pPr eaLnBrk="1" hangingPunct="1">
+              <a:defRPr>
+                <a:solidFill>
+                  <a:schemeClr val="tx2"/>
+                </a:solidFill>
+              </a:defRPr>
+            </a:lvl5pPr>
+            <a:lvl6pPr eaLnBrk="1" hangingPunct="1">
+              <a:defRPr>
+                <a:solidFill>
+                  <a:schemeClr val="tx2"/>
+                </a:solidFill>
+              </a:defRPr>
+            </a:lvl6pPr>
+            <a:lvl7pPr eaLnBrk="1" hangingPunct="1">
+              <a:defRPr>
+                <a:solidFill>
+                  <a:schemeClr val="tx2"/>
+                </a:solidFill>
+              </a:defRPr>
+            </a:lvl7pPr>
+            <a:lvl8pPr eaLnBrk="1" hangingPunct="1">
+              <a:defRPr>
+                <a:solidFill>
+                  <a:schemeClr val="tx2"/>
+                </a:solidFill>
+              </a:defRPr>
+            </a:lvl8pPr>
+            <a:lvl9pPr eaLnBrk="1" hangingPunct="1">
+              <a:defRPr>
+                <a:solidFill>
+                  <a:schemeClr val="tx2"/>
+                </a:solidFill>
+              </a:defRPr>
+            </a:lvl9pPr>
+          </a:lstStyle>
+          <a:p>
+            <a:pPr algn="l"/>
+            <a:r>
+              <a:rPr lang="es-ES" b="1" dirty="0"/>
+              <a:t>CONTEXTO. El KEPLER</a:t>
+            </a:r>
+            <a:endParaRPr lang="es-ES" dirty="0"/>
+          </a:p>
+        </p:txBody>
+      </p:sp>
+      <p:pic>
+        <p:nvPicPr>
+          <p:cNvPr id="7" name="Imagen 6">
+            <a:extLst>
+              <a:ext uri="{FF2B5EF4-FFF2-40B4-BE49-F238E27FC236}">
+                <a16:creationId xmlns:a16="http://schemas.microsoft.com/office/drawing/2014/main" id="{7ED06988-DECB-426A-A3AC-03FD472C4F4C}"/>
+              </a:ext>
+            </a:extLst>
+          </p:cNvPr>
+          <p:cNvPicPr>
+            <a:picLocks noChangeAspect="1"/>
+          </p:cNvPicPr>
+          <p:nvPr/>
+        </p:nvPicPr>
+        <p:blipFill>
+          <a:blip r:embed="rId2"/>
+          <a:stretch>
+            <a:fillRect/>
+          </a:stretch>
+        </p:blipFill>
+        <p:spPr>
+          <a:xfrm>
+            <a:off x="6958218" y="994083"/>
+            <a:ext cx="4996096" cy="5331497"/>
+          </a:xfrm>
+          <a:prstGeom prst="rect">
+            <a:avLst/>
+          </a:prstGeom>
+        </p:spPr>
+      </p:pic>
+      <p:sp>
+        <p:nvSpPr>
+          <p:cNvPr id="8" name="CuadroTexto 7">
+            <a:extLst>
+              <a:ext uri="{FF2B5EF4-FFF2-40B4-BE49-F238E27FC236}">
+                <a16:creationId xmlns:a16="http://schemas.microsoft.com/office/drawing/2014/main" id="{DB8E6C94-7ECE-4C26-9DBE-416BBAA30650}"/>
+              </a:ext>
+            </a:extLst>
+          </p:cNvPr>
+          <p:cNvSpPr txBox="1"/>
+          <p:nvPr/>
+        </p:nvSpPr>
+        <p:spPr>
+          <a:xfrm>
+            <a:off x="215915" y="994084"/>
+            <a:ext cx="6092890" cy="3139321"/>
+          </a:xfrm>
+          <a:prstGeom prst="rect">
+            <a:avLst/>
+          </a:prstGeom>
+          <a:solidFill>
+            <a:schemeClr val="bg2">
+              <a:lumMod val="75000"/>
+            </a:schemeClr>
+          </a:solidFill>
+        </p:spPr>
+        <p:txBody>
+          <a:bodyPr wrap="square" rtlCol="0">
+            <a:spAutoFit/>
           </a:bodyPr>
           <a:lstStyle/>
           <a:p>
-            <a:pPr algn="l"/>
-            <a:r>
-              <a:rPr lang="es-ES" sz="1400" dirty="0"/>
-              <a:t>Lanzado en 2009, el Telescopio Espacial Kepler nos enseñó que nuestra galaxia tiene más planetas que estrellas. Inicialmente, Kepler miró fijamente una sola parte del cielo durante cuatro años, buscando sombras: la diminuta caída de la luz de las estrellas cuando un planeta cruza la cara de su estrella.</a:t>
-            </a:r>
-            <a:br>
-              <a:rPr lang="es-ES" sz="1400" dirty="0"/>
-            </a:br>
-            <a:br>
-              <a:rPr lang="es-ES" sz="1400" dirty="0"/>
-            </a:br>
-            <a:br>
-              <a:rPr lang="es-ES" sz="1400" dirty="0"/>
-            </a:br>
-            <a:br>
-              <a:rPr lang="es-ES" sz="1400" dirty="0"/>
-            </a:br>
-            <a:r>
-              <a:rPr lang="es-ES" sz="1400" dirty="0"/>
-              <a:t> Lo que se conoce como la </a:t>
-            </a:r>
-            <a:r>
-              <a:rPr lang="es-ES" sz="1400" dirty="0" err="1"/>
-              <a:t>tecnica</a:t>
-            </a:r>
-            <a:r>
-              <a:rPr lang="es-ES" sz="1400" dirty="0"/>
-              <a:t> del análisis del tránsito. Hasta que se retiró en 2018 Kepler tiene el récord de descubrir la mayor cantidad de planetas de cualquier misión de exoplanetas: más de 2600.</a:t>
-            </a:r>
-            <a:br>
-              <a:rPr lang="es-ES" sz="1400" dirty="0"/>
-            </a:br>
-            <a:br>
-              <a:rPr lang="es-ES" sz="1400" dirty="0"/>
-            </a:br>
-            <a:br>
-              <a:rPr lang="es-ES" sz="1400" dirty="0"/>
-            </a:br>
-            <a:br>
-              <a:rPr lang="es-ES" sz="1400" dirty="0"/>
-            </a:br>
-            <a:r>
-              <a:rPr lang="es-ES" sz="1400" dirty="0"/>
-              <a:t>Hoy en día el </a:t>
-            </a:r>
-            <a:r>
-              <a:rPr lang="es-ES" sz="1400" dirty="0" err="1"/>
-              <a:t>telecopio</a:t>
-            </a:r>
-            <a:r>
-              <a:rPr lang="es-ES" sz="1400" dirty="0"/>
-              <a:t> JAMES WEBB puede obtener </a:t>
-            </a:r>
-            <a:r>
-              <a:rPr lang="es-ES" sz="1400" dirty="0" err="1"/>
-              <a:t>imagenes</a:t>
-            </a:r>
-            <a:r>
-              <a:rPr lang="es-ES" sz="1400" dirty="0"/>
-              <a:t> en infrarrojos que procesadas con Deep </a:t>
-            </a:r>
-            <a:r>
-              <a:rPr lang="es-ES" sz="1400" dirty="0" err="1"/>
-              <a:t>Learning</a:t>
-            </a:r>
-            <a:r>
-              <a:rPr lang="es-ES" sz="1400" dirty="0"/>
-              <a:t> ha sido posible evitar el deslumbramiento que produce la estrella y nos han dado las primeras "</a:t>
-            </a:r>
-            <a:r>
-              <a:rPr lang="es-ES" sz="1400" dirty="0" err="1"/>
-              <a:t>imagenes</a:t>
-            </a:r>
-            <a:r>
-              <a:rPr lang="es-ES" sz="1400" dirty="0"/>
-              <a:t>" de exoplanetas.</a:t>
-            </a:r>
-            <a:br>
-              <a:rPr lang="es-ES" sz="1400" dirty="0"/>
-            </a:br>
-            <a:br>
-              <a:rPr lang="es-ES" sz="1400" dirty="0"/>
-            </a:br>
-            <a:r>
-              <a:rPr lang="es-ES" sz="1400" dirty="0"/>
-              <a:t> Pero ¿donde debe apuntar el WEBB? o ¿que </a:t>
-            </a:r>
-            <a:r>
-              <a:rPr lang="es-ES" sz="1400" dirty="0" err="1"/>
-              <a:t>imagenes</a:t>
-            </a:r>
-            <a:r>
-              <a:rPr lang="es-ES" sz="1400" dirty="0"/>
-              <a:t> de las que nos facilita el WEBB son candidatas al costoso proceso de </a:t>
-            </a:r>
-            <a:r>
-              <a:rPr lang="es-ES" sz="1400" dirty="0" err="1"/>
-              <a:t>extraccion</a:t>
-            </a:r>
-            <a:r>
-              <a:rPr lang="es-ES" sz="1400" dirty="0"/>
-              <a:t> de la imagen del exoplaneta?.</a:t>
-            </a:r>
-            <a:br>
-              <a:rPr lang="es-ES" sz="1400" dirty="0"/>
-            </a:br>
-            <a:br>
-              <a:rPr lang="es-ES" sz="1400" dirty="0"/>
-            </a:br>
-            <a:br>
-              <a:rPr lang="es-ES" sz="1400" dirty="0"/>
-            </a:br>
-            <a:r>
-              <a:rPr lang="es-ES" sz="1400" dirty="0"/>
-              <a:t>Este proyecto desarrolla un modelo de Machine </a:t>
-            </a:r>
-            <a:r>
-              <a:rPr lang="es-ES" sz="1400" dirty="0" err="1"/>
-              <a:t>learning</a:t>
-            </a:r>
-            <a:r>
-              <a:rPr lang="es-ES" sz="1400" dirty="0"/>
-              <a:t> que predice que datos tipo KEPLER corresponden a un exoplaneta y por tanto vale la pena captar y procesar </a:t>
-            </a:r>
-            <a:r>
-              <a:rPr lang="es-ES" sz="1400" dirty="0" err="1"/>
-              <a:t>imagenes</a:t>
-            </a:r>
-            <a:r>
-              <a:rPr lang="es-ES" sz="1400" dirty="0"/>
-              <a:t> de ese punto del espacio.</a:t>
-            </a:r>
+            <a:r>
+              <a:rPr lang="es-ES" sz="1800" dirty="0">
+                <a:latin typeface="Bookman Old Style" panose="02050604050505020204" pitchFamily="18" charset="0"/>
+              </a:rPr>
+              <a:t>Lanzado en 2009, el Telescopio Espacial Kepler nos enseñó que nuestra galaxia tiene más planetas que estrellas.</a:t>
+            </a:r>
+          </a:p>
+          <a:p>
+            <a:endParaRPr lang="es-ES" dirty="0">
+              <a:latin typeface="Bookman Old Style" panose="02050604050505020204" pitchFamily="18" charset="0"/>
+            </a:endParaRPr>
+          </a:p>
+          <a:p>
+            <a:r>
+              <a:rPr lang="es-ES" sz="1800" dirty="0">
+                <a:latin typeface="Bookman Old Style" panose="02050604050505020204" pitchFamily="18" charset="0"/>
+              </a:rPr>
+              <a:t>Inicialmente, Kepler miró fijamente una sola parte del cielo durante cuatro años, buscando sombras: la diminuta caída de la luz de las estrellas cuando un planeta cruza la cara de su estrella. </a:t>
+            </a:r>
+          </a:p>
+          <a:p>
+            <a:endParaRPr lang="es-ES" dirty="0">
+              <a:latin typeface="Bookman Old Style" panose="02050604050505020204" pitchFamily="18" charset="0"/>
+            </a:endParaRPr>
+          </a:p>
+          <a:p>
+            <a:r>
+              <a:rPr lang="es-ES" sz="1800" dirty="0">
+                <a:latin typeface="Bookman Old Style" panose="02050604050505020204" pitchFamily="18" charset="0"/>
+              </a:rPr>
+              <a:t>Lo que se conoce como la técnica del análisis del tránsito.</a:t>
+            </a:r>
+          </a:p>
+        </p:txBody>
+      </p:sp>
+      <p:sp>
+        <p:nvSpPr>
+          <p:cNvPr id="11" name="CuadroTexto 10">
+            <a:extLst>
+              <a:ext uri="{FF2B5EF4-FFF2-40B4-BE49-F238E27FC236}">
+                <a16:creationId xmlns:a16="http://schemas.microsoft.com/office/drawing/2014/main" id="{451AA3A0-B1F2-47B4-94CB-BAD372112DC1}"/>
+              </a:ext>
+            </a:extLst>
+          </p:cNvPr>
+          <p:cNvSpPr txBox="1"/>
+          <p:nvPr/>
+        </p:nvSpPr>
+        <p:spPr>
+          <a:xfrm>
+            <a:off x="215915" y="5402251"/>
+            <a:ext cx="6092890" cy="923330"/>
+          </a:xfrm>
+          <a:prstGeom prst="rect">
+            <a:avLst/>
+          </a:prstGeom>
+          <a:solidFill>
+            <a:schemeClr val="bg2">
+              <a:lumMod val="75000"/>
+            </a:schemeClr>
+          </a:solidFill>
+        </p:spPr>
+        <p:txBody>
+          <a:bodyPr wrap="square" rtlCol="0">
+            <a:spAutoFit/>
+          </a:bodyPr>
+          <a:lstStyle/>
+          <a:p>
+            <a:r>
+              <a:rPr lang="es-ES" sz="1800" dirty="0">
+                <a:latin typeface="Bookman Old Style" panose="02050604050505020204" pitchFamily="18" charset="0"/>
+              </a:rPr>
+              <a:t>Hasta que se retiró en 2018 Kepler tiene el récord de descubrir la mayor cantidad de planetas de cualquier misión de exoplanetas: más de 2600.</a:t>
+            </a:r>
+            <a:endParaRPr lang="es-ES" dirty="0"/>
           </a:p>
         </p:txBody>
       </p:sp>
@@ -6084,66 +7128,264 @@
           <a:chExt cx="0" cy="0"/>
         </a:xfrm>
       </p:grpSpPr>
-      <p:sp>
-        <p:nvSpPr>
-          <p:cNvPr id="2" name="Título 1">
+      <p:pic>
+        <p:nvPicPr>
+          <p:cNvPr id="3" name="Imagen 2">
             <a:extLst>
               <a:ext uri="{FF2B5EF4-FFF2-40B4-BE49-F238E27FC236}">
-                <a16:creationId xmlns:a16="http://schemas.microsoft.com/office/drawing/2014/main" id="{E4C93E6D-718D-4572-BFD5-FB35C42C1C69}"/>
+                <a16:creationId xmlns:a16="http://schemas.microsoft.com/office/drawing/2014/main" id="{EB5A9FB8-7C99-4B54-95CA-6B1EFCDB428B}"/>
               </a:ext>
             </a:extLst>
           </p:cNvPr>
-          <p:cNvSpPr>
-            <a:spLocks noGrp="1"/>
-          </p:cNvSpPr>
-          <p:nvPr>
-            <p:ph type="ctrTitle"/>
-          </p:nvPr>
-        </p:nvSpPr>
-        <p:spPr/>
-        <p:txBody>
-          <a:bodyPr/>
-          <a:lstStyle/>
-          <a:p>
-            <a:r>
-              <a:rPr lang="es-ES" dirty="0"/>
-              <a:t>Sabemos que están ahí fuera</a:t>
-            </a:r>
-          </a:p>
-        </p:txBody>
-      </p:sp>
-      <p:sp>
-        <p:nvSpPr>
-          <p:cNvPr id="3" name="Subtítulo 2">
+          <p:cNvPicPr>
+            <a:picLocks noChangeAspect="1"/>
+          </p:cNvPicPr>
+          <p:nvPr/>
+        </p:nvPicPr>
+        <p:blipFill>
+          <a:blip r:embed="rId2"/>
+          <a:stretch>
+            <a:fillRect/>
+          </a:stretch>
+        </p:blipFill>
+        <p:spPr>
+          <a:xfrm>
+            <a:off x="160209" y="916798"/>
+            <a:ext cx="5182905" cy="3347292"/>
+          </a:xfrm>
+          <a:prstGeom prst="rect">
+            <a:avLst/>
+          </a:prstGeom>
+        </p:spPr>
+      </p:pic>
+      <p:pic>
+        <p:nvPicPr>
+          <p:cNvPr id="4" name="Imagen 3">
             <a:extLst>
               <a:ext uri="{FF2B5EF4-FFF2-40B4-BE49-F238E27FC236}">
-                <a16:creationId xmlns:a16="http://schemas.microsoft.com/office/drawing/2014/main" id="{73A95C1A-59FC-4F40-84F0-7F1C5477D94B}"/>
+                <a16:creationId xmlns:a16="http://schemas.microsoft.com/office/drawing/2014/main" id="{72E642E5-6899-4746-80E4-1A2E074D366A}"/>
               </a:ext>
             </a:extLst>
           </p:cNvPr>
-          <p:cNvSpPr>
-            <a:spLocks noGrp="1"/>
-          </p:cNvSpPr>
-          <p:nvPr>
-            <p:ph type="subTitle" idx="1"/>
-          </p:nvPr>
-        </p:nvSpPr>
-        <p:spPr/>
-        <p:txBody>
-          <a:bodyPr/>
+          <p:cNvPicPr>
+            <a:picLocks noChangeAspect="1"/>
+          </p:cNvPicPr>
+          <p:nvPr/>
+        </p:nvPicPr>
+        <p:blipFill>
+          <a:blip r:embed="rId3"/>
+          <a:stretch>
+            <a:fillRect/>
+          </a:stretch>
+        </p:blipFill>
+        <p:spPr>
+          <a:xfrm>
+            <a:off x="5589037" y="3429000"/>
+            <a:ext cx="5862819" cy="3121762"/>
+          </a:xfrm>
+          <a:prstGeom prst="rect">
+            <a:avLst/>
+          </a:prstGeom>
+        </p:spPr>
+      </p:pic>
+      <p:sp>
+        <p:nvSpPr>
+          <p:cNvPr id="7" name="Título 1">
+            <a:extLst>
+              <a:ext uri="{FF2B5EF4-FFF2-40B4-BE49-F238E27FC236}">
+                <a16:creationId xmlns:a16="http://schemas.microsoft.com/office/drawing/2014/main" id="{F17E1E12-0F08-4942-85D5-DADA0AD64A40}"/>
+              </a:ext>
+            </a:extLst>
+          </p:cNvPr>
+          <p:cNvSpPr txBox="1">
+            <a:spLocks/>
+          </p:cNvSpPr>
+          <p:nvPr/>
+        </p:nvSpPr>
+        <p:spPr>
+          <a:xfrm>
+            <a:off x="4875002" y="0"/>
+            <a:ext cx="7197726" cy="770545"/>
+          </a:xfrm>
+          <a:prstGeom prst="rect">
+            <a:avLst/>
+          </a:prstGeom>
+          <a:effectLst/>
+        </p:spPr>
+        <p:txBody>
+          <a:bodyPr vert="horz" lIns="91440" tIns="45720" rIns="91440" bIns="45720" rtlCol="0" anchor="b">
+            <a:normAutofit fontScale="62500" lnSpcReduction="20000"/>
+          </a:bodyPr>
+          <a:lstStyle>
+            <a:lvl1pPr algn="r" defTabSz="457200" rtl="0" eaLnBrk="1" latinLnBrk="0" hangingPunct="1">
+              <a:spcBef>
+                <a:spcPct val="0"/>
+              </a:spcBef>
+              <a:buNone/>
+              <a:defRPr sz="4800" kern="1200" cap="all">
+                <a:ln w="3175" cmpd="sng">
+                  <a:noFill/>
+                </a:ln>
+                <a:solidFill>
+                  <a:schemeClr val="tx1"/>
+                </a:solidFill>
+                <a:effectLst/>
+                <a:latin typeface="+mj-lt"/>
+                <a:ea typeface="+mj-ea"/>
+                <a:cs typeface="+mj-cs"/>
+              </a:defRPr>
+            </a:lvl1pPr>
+            <a:lvl2pPr eaLnBrk="1" hangingPunct="1">
+              <a:defRPr>
+                <a:solidFill>
+                  <a:schemeClr val="tx2"/>
+                </a:solidFill>
+              </a:defRPr>
+            </a:lvl2pPr>
+            <a:lvl3pPr eaLnBrk="1" hangingPunct="1">
+              <a:defRPr>
+                <a:solidFill>
+                  <a:schemeClr val="tx2"/>
+                </a:solidFill>
+              </a:defRPr>
+            </a:lvl3pPr>
+            <a:lvl4pPr eaLnBrk="1" hangingPunct="1">
+              <a:defRPr>
+                <a:solidFill>
+                  <a:schemeClr val="tx2"/>
+                </a:solidFill>
+              </a:defRPr>
+            </a:lvl4pPr>
+            <a:lvl5pPr eaLnBrk="1" hangingPunct="1">
+              <a:defRPr>
+                <a:solidFill>
+                  <a:schemeClr val="tx2"/>
+                </a:solidFill>
+              </a:defRPr>
+            </a:lvl5pPr>
+            <a:lvl6pPr eaLnBrk="1" hangingPunct="1">
+              <a:defRPr>
+                <a:solidFill>
+                  <a:schemeClr val="tx2"/>
+                </a:solidFill>
+              </a:defRPr>
+            </a:lvl6pPr>
+            <a:lvl7pPr eaLnBrk="1" hangingPunct="1">
+              <a:defRPr>
+                <a:solidFill>
+                  <a:schemeClr val="tx2"/>
+                </a:solidFill>
+              </a:defRPr>
+            </a:lvl7pPr>
+            <a:lvl8pPr eaLnBrk="1" hangingPunct="1">
+              <a:defRPr>
+                <a:solidFill>
+                  <a:schemeClr val="tx2"/>
+                </a:solidFill>
+              </a:defRPr>
+            </a:lvl8pPr>
+            <a:lvl9pPr eaLnBrk="1" hangingPunct="1">
+              <a:defRPr>
+                <a:solidFill>
+                  <a:schemeClr val="tx2"/>
+                </a:solidFill>
+              </a:defRPr>
+            </a:lvl9pPr>
+          </a:lstStyle>
+          <a:p>
+            <a:pPr algn="l"/>
+            <a:r>
+              <a:rPr lang="es-ES" b="1" dirty="0"/>
+              <a:t>CONTEXTO. El JAMES WEBB y LOS EUROPEOS</a:t>
+            </a:r>
+          </a:p>
+        </p:txBody>
+      </p:sp>
+      <p:sp>
+        <p:nvSpPr>
+          <p:cNvPr id="10" name="CuadroTexto 9">
+            <a:extLst>
+              <a:ext uri="{FF2B5EF4-FFF2-40B4-BE49-F238E27FC236}">
+                <a16:creationId xmlns:a16="http://schemas.microsoft.com/office/drawing/2014/main" id="{ABCF4F7C-F0B4-4432-9B24-07D1108689AD}"/>
+              </a:ext>
+            </a:extLst>
+          </p:cNvPr>
+          <p:cNvSpPr txBox="1"/>
+          <p:nvPr/>
+        </p:nvSpPr>
+        <p:spPr>
+          <a:xfrm>
+            <a:off x="5425088" y="843677"/>
+            <a:ext cx="6097554" cy="2585323"/>
+          </a:xfrm>
+          <a:prstGeom prst="rect">
+            <a:avLst/>
+          </a:prstGeom>
+          <a:noFill/>
+        </p:spPr>
+        <p:txBody>
+          <a:bodyPr wrap="square">
+            <a:spAutoFit/>
+          </a:bodyPr>
           <a:lstStyle/>
           <a:p>
             <a:r>
-              <a:rPr lang="es-ES" dirty="0" err="1"/>
-              <a:t>Localizacion</a:t>
-            </a:r>
-            <a:r>
-              <a:rPr lang="es-ES" dirty="0"/>
-              <a:t> de exoplanetas con machine </a:t>
-            </a:r>
-            <a:r>
-              <a:rPr lang="es-ES" dirty="0" err="1"/>
-              <a:t>learning</a:t>
+              <a:rPr lang="es-ES" sz="1800" dirty="0">
+                <a:latin typeface="Bookman Old Style" panose="02050604050505020204" pitchFamily="18" charset="0"/>
+              </a:rPr>
+              <a:t>Hoy en día el </a:t>
+            </a:r>
+            <a:r>
+              <a:rPr lang="es-ES" sz="1800" dirty="0" err="1">
+                <a:latin typeface="Bookman Old Style" panose="02050604050505020204" pitchFamily="18" charset="0"/>
+              </a:rPr>
+              <a:t>telecopio</a:t>
+            </a:r>
+            <a:r>
+              <a:rPr lang="es-ES" sz="1800" dirty="0">
+                <a:latin typeface="Bookman Old Style" panose="02050604050505020204" pitchFamily="18" charset="0"/>
+              </a:rPr>
+              <a:t> JAMES WEBB y los telescopios europeos del desierto de Atacama  pueden obtener imágenes en infrarrojos de puntos muy lejanos.</a:t>
+            </a:r>
+            <a:br>
+              <a:rPr lang="es-ES" sz="1800" dirty="0">
+                <a:latin typeface="Bookman Old Style" panose="02050604050505020204" pitchFamily="18" charset="0"/>
+              </a:rPr>
+            </a:br>
+            <a:br>
+              <a:rPr lang="es-ES" sz="1800" dirty="0">
+                <a:latin typeface="Bookman Old Style" panose="02050604050505020204" pitchFamily="18" charset="0"/>
+              </a:rPr>
+            </a:br>
+            <a:r>
+              <a:rPr lang="es-ES" sz="1800" dirty="0">
+                <a:latin typeface="Bookman Old Style" panose="02050604050505020204" pitchFamily="18" charset="0"/>
+              </a:rPr>
+              <a:t>Las cuales procesadas con Deep </a:t>
+            </a:r>
+            <a:r>
+              <a:rPr lang="es-ES" sz="1800" dirty="0" err="1">
+                <a:latin typeface="Bookman Old Style" panose="02050604050505020204" pitchFamily="18" charset="0"/>
+              </a:rPr>
+              <a:t>Learning</a:t>
+            </a:r>
+            <a:r>
+              <a:rPr lang="es-ES" sz="1800" dirty="0">
+                <a:latin typeface="Bookman Old Style" panose="02050604050505020204" pitchFamily="18" charset="0"/>
+              </a:rPr>
+              <a:t> ha sido posible evitar el deslumbramiento que produce la estrella y nos han dado las primeras "</a:t>
+            </a:r>
+            <a:r>
+              <a:rPr lang="es-ES" sz="1800" dirty="0" err="1">
+                <a:latin typeface="Bookman Old Style" panose="02050604050505020204" pitchFamily="18" charset="0"/>
+              </a:rPr>
+              <a:t>imagenes</a:t>
+            </a:r>
+            <a:r>
+              <a:rPr lang="es-ES" sz="1800" dirty="0">
+                <a:latin typeface="Bookman Old Style" panose="02050604050505020204" pitchFamily="18" charset="0"/>
+              </a:rPr>
+              <a:t>" de exoplanetas. </a:t>
             </a:r>
             <a:endParaRPr lang="es-ES" dirty="0"/>
           </a:p>
@@ -6152,7 +7394,2676 @@
     </p:spTree>
     <p:extLst>
       <p:ext uri="{BB962C8B-B14F-4D97-AF65-F5344CB8AC3E}">
-        <p14:creationId xmlns:p14="http://schemas.microsoft.com/office/powerpoint/2010/main" val="1079709252"/>
+        <p14:creationId xmlns:p14="http://schemas.microsoft.com/office/powerpoint/2010/main" val="2143796538"/>
+      </p:ext>
+    </p:extLst>
+  </p:cSld>
+  <p:clrMapOvr>
+    <a:masterClrMapping/>
+  </p:clrMapOvr>
+</p:sld>
+</file>
+
+<file path=ppt/slides/slide4.xml><?xml version="1.0" encoding="utf-8"?>
+<p:sld xmlns:a="http://schemas.openxmlformats.org/drawingml/2006/main" xmlns:r="http://schemas.openxmlformats.org/officeDocument/2006/relationships" xmlns:p="http://schemas.openxmlformats.org/presentationml/2006/main">
+  <p:cSld>
+    <p:spTree>
+      <p:nvGrpSpPr>
+        <p:cNvPr id="1" name=""/>
+        <p:cNvGrpSpPr/>
+        <p:nvPr/>
+      </p:nvGrpSpPr>
+      <p:grpSpPr>
+        <a:xfrm>
+          <a:off x="0" y="0"/>
+          <a:ext cx="0" cy="0"/>
+          <a:chOff x="0" y="0"/>
+          <a:chExt cx="0" cy="0"/>
+        </a:xfrm>
+      </p:grpSpPr>
+      <p:pic>
+        <p:nvPicPr>
+          <p:cNvPr id="2" name="Imagen 1">
+            <a:extLst>
+              <a:ext uri="{FF2B5EF4-FFF2-40B4-BE49-F238E27FC236}">
+                <a16:creationId xmlns:a16="http://schemas.microsoft.com/office/drawing/2014/main" id="{FD83B0AF-3657-4F9D-9DA2-8C21E8F29E9F}"/>
+              </a:ext>
+            </a:extLst>
+          </p:cNvPr>
+          <p:cNvPicPr>
+            <a:picLocks noChangeAspect="1"/>
+          </p:cNvPicPr>
+          <p:nvPr/>
+        </p:nvPicPr>
+        <p:blipFill>
+          <a:blip r:embed="rId2"/>
+          <a:stretch>
+            <a:fillRect/>
+          </a:stretch>
+        </p:blipFill>
+        <p:spPr>
+          <a:xfrm>
+            <a:off x="185056" y="1030287"/>
+            <a:ext cx="7822451" cy="4400129"/>
+          </a:xfrm>
+          <a:prstGeom prst="rect">
+            <a:avLst/>
+          </a:prstGeom>
+        </p:spPr>
+      </p:pic>
+      <p:sp>
+        <p:nvSpPr>
+          <p:cNvPr id="10" name="CuadroTexto 9">
+            <a:extLst>
+              <a:ext uri="{FF2B5EF4-FFF2-40B4-BE49-F238E27FC236}">
+                <a16:creationId xmlns:a16="http://schemas.microsoft.com/office/drawing/2014/main" id="{ABCF4F7C-F0B4-4432-9B24-07D1108689AD}"/>
+              </a:ext>
+            </a:extLst>
+          </p:cNvPr>
+          <p:cNvSpPr txBox="1"/>
+          <p:nvPr/>
+        </p:nvSpPr>
+        <p:spPr>
+          <a:xfrm>
+            <a:off x="6358148" y="1126643"/>
+            <a:ext cx="5146496" cy="1477328"/>
+          </a:xfrm>
+          <a:prstGeom prst="rect">
+            <a:avLst/>
+          </a:prstGeom>
+          <a:noFill/>
+        </p:spPr>
+        <p:txBody>
+          <a:bodyPr wrap="square">
+            <a:spAutoFit/>
+          </a:bodyPr>
+          <a:lstStyle/>
+          <a:p>
+            <a:r>
+              <a:rPr lang="es-ES" sz="1800" dirty="0">
+                <a:latin typeface="Bookman Old Style" panose="02050604050505020204" pitchFamily="18" charset="0"/>
+              </a:rPr>
+              <a:t>Pero ¿donde debe apuntar el WEBB? </a:t>
+            </a:r>
+            <a:br>
+              <a:rPr lang="es-ES" sz="1800" dirty="0">
+                <a:latin typeface="Bookman Old Style" panose="02050604050505020204" pitchFamily="18" charset="0"/>
+              </a:rPr>
+            </a:br>
+            <a:br>
+              <a:rPr lang="es-ES" sz="1800" dirty="0">
+                <a:latin typeface="Bookman Old Style" panose="02050604050505020204" pitchFamily="18" charset="0"/>
+              </a:rPr>
+            </a:br>
+            <a:r>
+              <a:rPr lang="es-ES" sz="1800" dirty="0">
+                <a:latin typeface="Bookman Old Style" panose="02050604050505020204" pitchFamily="18" charset="0"/>
+              </a:rPr>
+              <a:t>o ¿que imágenes de las que nos facilita el WEBB son candidatas al costoso proceso de extracción de la imagen del exoplaneta?.</a:t>
+            </a:r>
+            <a:endParaRPr lang="es-ES" dirty="0">
+              <a:latin typeface="Bookman Old Style" panose="02050604050505020204" pitchFamily="18" charset="0"/>
+            </a:endParaRPr>
+          </a:p>
+        </p:txBody>
+      </p:sp>
+      <p:sp>
+        <p:nvSpPr>
+          <p:cNvPr id="6" name="Título 1">
+            <a:extLst>
+              <a:ext uri="{FF2B5EF4-FFF2-40B4-BE49-F238E27FC236}">
+                <a16:creationId xmlns:a16="http://schemas.microsoft.com/office/drawing/2014/main" id="{5A58B98D-9878-42F2-B7B4-36911516E291}"/>
+              </a:ext>
+            </a:extLst>
+          </p:cNvPr>
+          <p:cNvSpPr txBox="1">
+            <a:spLocks/>
+          </p:cNvSpPr>
+          <p:nvPr/>
+        </p:nvSpPr>
+        <p:spPr>
+          <a:xfrm>
+            <a:off x="326571" y="167277"/>
+            <a:ext cx="7678010" cy="536439"/>
+          </a:xfrm>
+          <a:prstGeom prst="rect">
+            <a:avLst/>
+          </a:prstGeom>
+          <a:effectLst/>
+        </p:spPr>
+        <p:txBody>
+          <a:bodyPr vert="horz" lIns="91440" tIns="45720" rIns="91440" bIns="45720" rtlCol="0" anchor="b">
+            <a:normAutofit fontScale="70000" lnSpcReduction="20000"/>
+          </a:bodyPr>
+          <a:lstStyle>
+            <a:lvl1pPr algn="r" defTabSz="457200" rtl="0" eaLnBrk="1" latinLnBrk="0" hangingPunct="1">
+              <a:spcBef>
+                <a:spcPct val="0"/>
+              </a:spcBef>
+              <a:buNone/>
+              <a:defRPr sz="4800" kern="1200" cap="all">
+                <a:ln w="3175" cmpd="sng">
+                  <a:noFill/>
+                </a:ln>
+                <a:solidFill>
+                  <a:schemeClr val="tx1"/>
+                </a:solidFill>
+                <a:effectLst/>
+                <a:latin typeface="+mj-lt"/>
+                <a:ea typeface="+mj-ea"/>
+                <a:cs typeface="+mj-cs"/>
+              </a:defRPr>
+            </a:lvl1pPr>
+            <a:lvl2pPr eaLnBrk="1" hangingPunct="1">
+              <a:defRPr>
+                <a:solidFill>
+                  <a:schemeClr val="tx2"/>
+                </a:solidFill>
+              </a:defRPr>
+            </a:lvl2pPr>
+            <a:lvl3pPr eaLnBrk="1" hangingPunct="1">
+              <a:defRPr>
+                <a:solidFill>
+                  <a:schemeClr val="tx2"/>
+                </a:solidFill>
+              </a:defRPr>
+            </a:lvl3pPr>
+            <a:lvl4pPr eaLnBrk="1" hangingPunct="1">
+              <a:defRPr>
+                <a:solidFill>
+                  <a:schemeClr val="tx2"/>
+                </a:solidFill>
+              </a:defRPr>
+            </a:lvl4pPr>
+            <a:lvl5pPr eaLnBrk="1" hangingPunct="1">
+              <a:defRPr>
+                <a:solidFill>
+                  <a:schemeClr val="tx2"/>
+                </a:solidFill>
+              </a:defRPr>
+            </a:lvl5pPr>
+            <a:lvl6pPr eaLnBrk="1" hangingPunct="1">
+              <a:defRPr>
+                <a:solidFill>
+                  <a:schemeClr val="tx2"/>
+                </a:solidFill>
+              </a:defRPr>
+            </a:lvl6pPr>
+            <a:lvl7pPr eaLnBrk="1" hangingPunct="1">
+              <a:defRPr>
+                <a:solidFill>
+                  <a:schemeClr val="tx2"/>
+                </a:solidFill>
+              </a:defRPr>
+            </a:lvl7pPr>
+            <a:lvl8pPr eaLnBrk="1" hangingPunct="1">
+              <a:defRPr>
+                <a:solidFill>
+                  <a:schemeClr val="tx2"/>
+                </a:solidFill>
+              </a:defRPr>
+            </a:lvl8pPr>
+            <a:lvl9pPr eaLnBrk="1" hangingPunct="1">
+              <a:defRPr>
+                <a:solidFill>
+                  <a:schemeClr val="tx2"/>
+                </a:solidFill>
+              </a:defRPr>
+            </a:lvl9pPr>
+          </a:lstStyle>
+          <a:p>
+            <a:pPr algn="l"/>
+            <a:r>
+              <a:rPr lang="es-ES" b="1" dirty="0"/>
+              <a:t>El problema y el objetivo</a:t>
+            </a:r>
+          </a:p>
+        </p:txBody>
+      </p:sp>
+      <p:sp>
+        <p:nvSpPr>
+          <p:cNvPr id="8" name="CuadroTexto 7">
+            <a:extLst>
+              <a:ext uri="{FF2B5EF4-FFF2-40B4-BE49-F238E27FC236}">
+                <a16:creationId xmlns:a16="http://schemas.microsoft.com/office/drawing/2014/main" id="{087E62D3-1D7F-4A98-B307-91170587320A}"/>
+              </a:ext>
+            </a:extLst>
+          </p:cNvPr>
+          <p:cNvSpPr txBox="1"/>
+          <p:nvPr/>
+        </p:nvSpPr>
+        <p:spPr>
+          <a:xfrm>
+            <a:off x="6460785" y="3778898"/>
+            <a:ext cx="5146496" cy="1477328"/>
+          </a:xfrm>
+          <a:prstGeom prst="rect">
+            <a:avLst/>
+          </a:prstGeom>
+          <a:noFill/>
+        </p:spPr>
+        <p:txBody>
+          <a:bodyPr wrap="square">
+            <a:spAutoFit/>
+          </a:bodyPr>
+          <a:lstStyle/>
+          <a:p>
+            <a:r>
+              <a:rPr lang="es-ES" sz="1800" dirty="0">
+                <a:latin typeface="Bookman Old Style" panose="02050604050505020204" pitchFamily="18" charset="0"/>
+              </a:rPr>
+              <a:t>Este proyecto desarrolla un modelo de Machine </a:t>
+            </a:r>
+            <a:r>
+              <a:rPr lang="es-ES" dirty="0" err="1">
+                <a:latin typeface="Bookman Old Style" panose="02050604050505020204" pitchFamily="18" charset="0"/>
+              </a:rPr>
+              <a:t>L</a:t>
+            </a:r>
+            <a:r>
+              <a:rPr lang="es-ES" sz="1800" dirty="0" err="1">
+                <a:latin typeface="Bookman Old Style" panose="02050604050505020204" pitchFamily="18" charset="0"/>
+              </a:rPr>
+              <a:t>earning</a:t>
+            </a:r>
+            <a:r>
+              <a:rPr lang="es-ES" sz="1800" dirty="0">
+                <a:latin typeface="Bookman Old Style" panose="02050604050505020204" pitchFamily="18" charset="0"/>
+              </a:rPr>
+              <a:t> que predice que datos tipo KEPLER corresponden a un exoplaneta y por tanto vale la pena captar y procesar </a:t>
+            </a:r>
+            <a:r>
+              <a:rPr lang="es-ES" sz="1800" dirty="0" err="1">
+                <a:latin typeface="Bookman Old Style" panose="02050604050505020204" pitchFamily="18" charset="0"/>
+              </a:rPr>
+              <a:t>imagenes</a:t>
+            </a:r>
+            <a:r>
+              <a:rPr lang="es-ES" sz="1800" dirty="0">
+                <a:latin typeface="Bookman Old Style" panose="02050604050505020204" pitchFamily="18" charset="0"/>
+              </a:rPr>
+              <a:t> de ese punto del espacio.</a:t>
+            </a:r>
+            <a:endParaRPr lang="es-ES" dirty="0">
+              <a:latin typeface="Bookman Old Style" panose="02050604050505020204" pitchFamily="18" charset="0"/>
+            </a:endParaRPr>
+          </a:p>
+        </p:txBody>
+      </p:sp>
+    </p:spTree>
+    <p:extLst>
+      <p:ext uri="{BB962C8B-B14F-4D97-AF65-F5344CB8AC3E}">
+        <p14:creationId xmlns:p14="http://schemas.microsoft.com/office/powerpoint/2010/main" val="1835132572"/>
+      </p:ext>
+    </p:extLst>
+  </p:cSld>
+  <p:clrMapOvr>
+    <a:masterClrMapping/>
+  </p:clrMapOvr>
+</p:sld>
+</file>
+
+<file path=ppt/slides/slide5.xml><?xml version="1.0" encoding="utf-8"?>
+<p:sld xmlns:a="http://schemas.openxmlformats.org/drawingml/2006/main" xmlns:r="http://schemas.openxmlformats.org/officeDocument/2006/relationships" xmlns:p="http://schemas.openxmlformats.org/presentationml/2006/main">
+  <p:cSld>
+    <p:spTree>
+      <p:nvGrpSpPr>
+        <p:cNvPr id="1" name=""/>
+        <p:cNvGrpSpPr/>
+        <p:nvPr/>
+      </p:nvGrpSpPr>
+      <p:grpSpPr>
+        <a:xfrm>
+          <a:off x="0" y="0"/>
+          <a:ext cx="0" cy="0"/>
+          <a:chOff x="0" y="0"/>
+          <a:chExt cx="0" cy="0"/>
+        </a:xfrm>
+      </p:grpSpPr>
+      <p:sp>
+        <p:nvSpPr>
+          <p:cNvPr id="10" name="CuadroTexto 9">
+            <a:extLst>
+              <a:ext uri="{FF2B5EF4-FFF2-40B4-BE49-F238E27FC236}">
+                <a16:creationId xmlns:a16="http://schemas.microsoft.com/office/drawing/2014/main" id="{ABCF4F7C-F0B4-4432-9B24-07D1108689AD}"/>
+              </a:ext>
+            </a:extLst>
+          </p:cNvPr>
+          <p:cNvSpPr txBox="1"/>
+          <p:nvPr/>
+        </p:nvSpPr>
+        <p:spPr>
+          <a:xfrm>
+            <a:off x="5980922" y="1126643"/>
+            <a:ext cx="5523722" cy="2308324"/>
+          </a:xfrm>
+          <a:prstGeom prst="rect">
+            <a:avLst/>
+          </a:prstGeom>
+          <a:noFill/>
+        </p:spPr>
+        <p:txBody>
+          <a:bodyPr wrap="square">
+            <a:spAutoFit/>
+          </a:bodyPr>
+          <a:lstStyle/>
+          <a:p>
+            <a:r>
+              <a:rPr lang="es-ES" sz="1800" dirty="0">
+                <a:latin typeface="Bookman Old Style" panose="02050604050505020204" pitchFamily="18" charset="0"/>
+              </a:rPr>
+              <a:t>El </a:t>
+            </a:r>
+            <a:r>
+              <a:rPr lang="es-ES" sz="1800" dirty="0" err="1">
+                <a:latin typeface="Bookman Old Style" panose="02050604050505020204" pitchFamily="18" charset="0"/>
+              </a:rPr>
+              <a:t>dataset</a:t>
+            </a:r>
+            <a:r>
+              <a:rPr lang="es-ES" sz="1800" dirty="0">
+                <a:latin typeface="Bookman Old Style" panose="02050604050505020204" pitchFamily="18" charset="0"/>
+              </a:rPr>
+              <a:t> contiene los datos que fueron captados durante la misión Kepler</a:t>
+            </a:r>
+          </a:p>
+          <a:p>
+            <a:endParaRPr lang="es-ES" dirty="0">
+              <a:latin typeface="Bookman Old Style" panose="02050604050505020204" pitchFamily="18" charset="0"/>
+            </a:endParaRPr>
+          </a:p>
+          <a:p>
+            <a:r>
+              <a:rPr lang="es-ES" sz="1800" dirty="0">
+                <a:latin typeface="Bookman Old Style" panose="02050604050505020204" pitchFamily="18" charset="0"/>
+              </a:rPr>
+              <a:t>Proviene del NASA </a:t>
+            </a:r>
+            <a:r>
+              <a:rPr lang="es-ES" sz="1800" dirty="0" err="1">
+                <a:latin typeface="Bookman Old Style" panose="02050604050505020204" pitchFamily="18" charset="0"/>
+              </a:rPr>
+              <a:t>Exoplanet</a:t>
+            </a:r>
+            <a:r>
+              <a:rPr lang="es-ES" sz="1800" dirty="0">
+                <a:latin typeface="Bookman Old Style" panose="02050604050505020204" pitchFamily="18" charset="0"/>
+              </a:rPr>
+              <a:t> Archive</a:t>
+            </a:r>
+          </a:p>
+          <a:p>
+            <a:r>
+              <a:rPr lang="es-ES" sz="1800" dirty="0">
+                <a:latin typeface="Bookman Old Style" panose="02050604050505020204" pitchFamily="18" charset="0"/>
+              </a:rPr>
+              <a:t>(A </a:t>
+            </a:r>
+            <a:r>
+              <a:rPr lang="es-ES" sz="1800" dirty="0" err="1">
+                <a:latin typeface="Bookman Old Style" panose="02050604050505020204" pitchFamily="18" charset="0"/>
+              </a:rPr>
+              <a:t>service</a:t>
+            </a:r>
+            <a:r>
+              <a:rPr lang="es-ES" sz="1800" dirty="0">
+                <a:latin typeface="Bookman Old Style" panose="02050604050505020204" pitchFamily="18" charset="0"/>
+              </a:rPr>
+              <a:t> </a:t>
+            </a:r>
+            <a:r>
+              <a:rPr lang="es-ES" sz="1800" dirty="0" err="1">
+                <a:latin typeface="Bookman Old Style" panose="02050604050505020204" pitchFamily="18" charset="0"/>
+              </a:rPr>
+              <a:t>of</a:t>
+            </a:r>
+            <a:r>
+              <a:rPr lang="es-ES" sz="1800" dirty="0">
+                <a:latin typeface="Bookman Old Style" panose="02050604050505020204" pitchFamily="18" charset="0"/>
+              </a:rPr>
+              <a:t> NASA </a:t>
+            </a:r>
+            <a:r>
+              <a:rPr lang="es-ES" sz="1800" dirty="0" err="1">
+                <a:latin typeface="Bookman Old Style" panose="02050604050505020204" pitchFamily="18" charset="0"/>
+              </a:rPr>
+              <a:t>Exoplanet</a:t>
+            </a:r>
+            <a:r>
+              <a:rPr lang="es-ES" sz="1800" dirty="0">
+                <a:latin typeface="Bookman Old Style" panose="02050604050505020204" pitchFamily="18" charset="0"/>
+              </a:rPr>
+              <a:t> </a:t>
+            </a:r>
+            <a:r>
+              <a:rPr lang="es-ES" sz="1800" dirty="0" err="1">
+                <a:latin typeface="Bookman Old Style" panose="02050604050505020204" pitchFamily="18" charset="0"/>
+              </a:rPr>
+              <a:t>Science</a:t>
+            </a:r>
+            <a:r>
+              <a:rPr lang="es-ES" sz="1800" dirty="0">
+                <a:latin typeface="Bookman Old Style" panose="02050604050505020204" pitchFamily="18" charset="0"/>
+              </a:rPr>
+              <a:t> </a:t>
+            </a:r>
+            <a:r>
+              <a:rPr lang="es-ES" sz="1800" dirty="0" err="1">
+                <a:latin typeface="Bookman Old Style" panose="02050604050505020204" pitchFamily="18" charset="0"/>
+              </a:rPr>
+              <a:t>Institute</a:t>
+            </a:r>
+            <a:r>
+              <a:rPr lang="es-ES" sz="1800" dirty="0">
+                <a:latin typeface="Bookman Old Style" panose="02050604050505020204" pitchFamily="18" charset="0"/>
+              </a:rPr>
+              <a:t>)</a:t>
+            </a:r>
+          </a:p>
+          <a:p>
+            <a:endParaRPr lang="es-ES" dirty="0">
+              <a:latin typeface="Bookman Old Style" panose="02050604050505020204" pitchFamily="18" charset="0"/>
+            </a:endParaRPr>
+          </a:p>
+          <a:p>
+            <a:r>
+              <a:rPr lang="es-ES" sz="1800" dirty="0">
+                <a:latin typeface="Bookman Old Style" panose="02050604050505020204" pitchFamily="18" charset="0"/>
+              </a:rPr>
+              <a:t>Esta formado por 9564 observaciones con 49 columnas. </a:t>
+            </a:r>
+            <a:endParaRPr lang="es-ES" dirty="0">
+              <a:latin typeface="Bookman Old Style" panose="02050604050505020204" pitchFamily="18" charset="0"/>
+            </a:endParaRPr>
+          </a:p>
+        </p:txBody>
+      </p:sp>
+      <p:sp>
+        <p:nvSpPr>
+          <p:cNvPr id="6" name="Título 1">
+            <a:extLst>
+              <a:ext uri="{FF2B5EF4-FFF2-40B4-BE49-F238E27FC236}">
+                <a16:creationId xmlns:a16="http://schemas.microsoft.com/office/drawing/2014/main" id="{5A58B98D-9878-42F2-B7B4-36911516E291}"/>
+              </a:ext>
+            </a:extLst>
+          </p:cNvPr>
+          <p:cNvSpPr txBox="1">
+            <a:spLocks/>
+          </p:cNvSpPr>
+          <p:nvPr/>
+        </p:nvSpPr>
+        <p:spPr>
+          <a:xfrm>
+            <a:off x="400903" y="358240"/>
+            <a:ext cx="7678010" cy="536439"/>
+          </a:xfrm>
+          <a:prstGeom prst="rect">
+            <a:avLst/>
+          </a:prstGeom>
+          <a:effectLst/>
+        </p:spPr>
+        <p:txBody>
+          <a:bodyPr vert="horz" lIns="91440" tIns="45720" rIns="91440" bIns="45720" rtlCol="0" anchor="b">
+            <a:normAutofit fontScale="70000" lnSpcReduction="20000"/>
+          </a:bodyPr>
+          <a:lstStyle>
+            <a:lvl1pPr algn="r" defTabSz="457200" rtl="0" eaLnBrk="1" latinLnBrk="0" hangingPunct="1">
+              <a:spcBef>
+                <a:spcPct val="0"/>
+              </a:spcBef>
+              <a:buNone/>
+              <a:defRPr sz="4800" kern="1200" cap="all">
+                <a:ln w="3175" cmpd="sng">
+                  <a:noFill/>
+                </a:ln>
+                <a:solidFill>
+                  <a:schemeClr val="tx1"/>
+                </a:solidFill>
+                <a:effectLst/>
+                <a:latin typeface="+mj-lt"/>
+                <a:ea typeface="+mj-ea"/>
+                <a:cs typeface="+mj-cs"/>
+              </a:defRPr>
+            </a:lvl1pPr>
+            <a:lvl2pPr eaLnBrk="1" hangingPunct="1">
+              <a:defRPr>
+                <a:solidFill>
+                  <a:schemeClr val="tx2"/>
+                </a:solidFill>
+              </a:defRPr>
+            </a:lvl2pPr>
+            <a:lvl3pPr eaLnBrk="1" hangingPunct="1">
+              <a:defRPr>
+                <a:solidFill>
+                  <a:schemeClr val="tx2"/>
+                </a:solidFill>
+              </a:defRPr>
+            </a:lvl3pPr>
+            <a:lvl4pPr eaLnBrk="1" hangingPunct="1">
+              <a:defRPr>
+                <a:solidFill>
+                  <a:schemeClr val="tx2"/>
+                </a:solidFill>
+              </a:defRPr>
+            </a:lvl4pPr>
+            <a:lvl5pPr eaLnBrk="1" hangingPunct="1">
+              <a:defRPr>
+                <a:solidFill>
+                  <a:schemeClr val="tx2"/>
+                </a:solidFill>
+              </a:defRPr>
+            </a:lvl5pPr>
+            <a:lvl6pPr eaLnBrk="1" hangingPunct="1">
+              <a:defRPr>
+                <a:solidFill>
+                  <a:schemeClr val="tx2"/>
+                </a:solidFill>
+              </a:defRPr>
+            </a:lvl6pPr>
+            <a:lvl7pPr eaLnBrk="1" hangingPunct="1">
+              <a:defRPr>
+                <a:solidFill>
+                  <a:schemeClr val="tx2"/>
+                </a:solidFill>
+              </a:defRPr>
+            </a:lvl7pPr>
+            <a:lvl8pPr eaLnBrk="1" hangingPunct="1">
+              <a:defRPr>
+                <a:solidFill>
+                  <a:schemeClr val="tx2"/>
+                </a:solidFill>
+              </a:defRPr>
+            </a:lvl8pPr>
+            <a:lvl9pPr eaLnBrk="1" hangingPunct="1">
+              <a:defRPr>
+                <a:solidFill>
+                  <a:schemeClr val="tx2"/>
+                </a:solidFill>
+              </a:defRPr>
+            </a:lvl9pPr>
+          </a:lstStyle>
+          <a:p>
+            <a:pPr algn="l"/>
+            <a:r>
+              <a:rPr lang="es-ES" b="1" dirty="0"/>
+              <a:t>LOS DATOS</a:t>
+            </a:r>
+          </a:p>
+        </p:txBody>
+      </p:sp>
+      <p:pic>
+        <p:nvPicPr>
+          <p:cNvPr id="3" name="Imagen 2">
+            <a:extLst>
+              <a:ext uri="{FF2B5EF4-FFF2-40B4-BE49-F238E27FC236}">
+                <a16:creationId xmlns:a16="http://schemas.microsoft.com/office/drawing/2014/main" id="{0C47D59F-78A7-4F42-B687-F22D0974525F}"/>
+              </a:ext>
+            </a:extLst>
+          </p:cNvPr>
+          <p:cNvPicPr>
+            <a:picLocks noChangeAspect="1"/>
+          </p:cNvPicPr>
+          <p:nvPr/>
+        </p:nvPicPr>
+        <p:blipFill>
+          <a:blip r:embed="rId2"/>
+          <a:stretch>
+            <a:fillRect/>
+          </a:stretch>
+        </p:blipFill>
+        <p:spPr>
+          <a:xfrm>
+            <a:off x="6096000" y="3666931"/>
+            <a:ext cx="4986046" cy="2792186"/>
+          </a:xfrm>
+          <a:prstGeom prst="rect">
+            <a:avLst/>
+          </a:prstGeom>
+        </p:spPr>
+      </p:pic>
+      <p:pic>
+        <p:nvPicPr>
+          <p:cNvPr id="4" name="Imagen 3">
+            <a:extLst>
+              <a:ext uri="{FF2B5EF4-FFF2-40B4-BE49-F238E27FC236}">
+                <a16:creationId xmlns:a16="http://schemas.microsoft.com/office/drawing/2014/main" id="{01E5D7C5-2185-45C7-BB31-B326B94A741C}"/>
+              </a:ext>
+            </a:extLst>
+          </p:cNvPr>
+          <p:cNvPicPr>
+            <a:picLocks noChangeAspect="1"/>
+          </p:cNvPicPr>
+          <p:nvPr/>
+        </p:nvPicPr>
+        <p:blipFill>
+          <a:blip r:embed="rId3"/>
+          <a:stretch>
+            <a:fillRect/>
+          </a:stretch>
+        </p:blipFill>
+        <p:spPr>
+          <a:xfrm>
+            <a:off x="836159" y="1409506"/>
+            <a:ext cx="3764673" cy="4188861"/>
+          </a:xfrm>
+          <a:prstGeom prst="rect">
+            <a:avLst/>
+          </a:prstGeom>
+        </p:spPr>
+      </p:pic>
+    </p:spTree>
+    <p:extLst>
+      <p:ext uri="{BB962C8B-B14F-4D97-AF65-F5344CB8AC3E}">
+        <p14:creationId xmlns:p14="http://schemas.microsoft.com/office/powerpoint/2010/main" val="4161024672"/>
+      </p:ext>
+    </p:extLst>
+  </p:cSld>
+  <p:clrMapOvr>
+    <a:masterClrMapping/>
+  </p:clrMapOvr>
+</p:sld>
+</file>
+
+<file path=ppt/slides/slide6.xml><?xml version="1.0" encoding="utf-8"?>
+<p:sld xmlns:a="http://schemas.openxmlformats.org/drawingml/2006/main" xmlns:r="http://schemas.openxmlformats.org/officeDocument/2006/relationships" xmlns:p="http://schemas.openxmlformats.org/presentationml/2006/main">
+  <p:cSld>
+    <p:spTree>
+      <p:nvGrpSpPr>
+        <p:cNvPr id="1" name=""/>
+        <p:cNvGrpSpPr/>
+        <p:nvPr/>
+      </p:nvGrpSpPr>
+      <p:grpSpPr>
+        <a:xfrm>
+          <a:off x="0" y="0"/>
+          <a:ext cx="0" cy="0"/>
+          <a:chOff x="0" y="0"/>
+          <a:chExt cx="0" cy="0"/>
+        </a:xfrm>
+      </p:grpSpPr>
+      <p:sp>
+        <p:nvSpPr>
+          <p:cNvPr id="10" name="CuadroTexto 9">
+            <a:extLst>
+              <a:ext uri="{FF2B5EF4-FFF2-40B4-BE49-F238E27FC236}">
+                <a16:creationId xmlns:a16="http://schemas.microsoft.com/office/drawing/2014/main" id="{ABCF4F7C-F0B4-4432-9B24-07D1108689AD}"/>
+              </a:ext>
+            </a:extLst>
+          </p:cNvPr>
+          <p:cNvSpPr txBox="1"/>
+          <p:nvPr/>
+        </p:nvSpPr>
+        <p:spPr>
+          <a:xfrm>
+            <a:off x="465348" y="823913"/>
+            <a:ext cx="5744952" cy="5078313"/>
+          </a:xfrm>
+          <a:prstGeom prst="rect">
+            <a:avLst/>
+          </a:prstGeom>
+          <a:noFill/>
+        </p:spPr>
+        <p:txBody>
+          <a:bodyPr wrap="square">
+            <a:spAutoFit/>
+          </a:bodyPr>
+          <a:lstStyle/>
+          <a:p>
+            <a:pPr marL="342900" indent="-342900">
+              <a:buAutoNum type="arabicPeriod"/>
+            </a:pPr>
+            <a:r>
+              <a:rPr lang="es-ES" b="0" dirty="0">
+                <a:solidFill>
+                  <a:srgbClr val="CCCCCC"/>
+                </a:solidFill>
+                <a:effectLst/>
+                <a:latin typeface="Bookman Old Style" panose="02050604050505020204" pitchFamily="18" charset="0"/>
+              </a:rPr>
+              <a:t>Estudio, </a:t>
+            </a:r>
+            <a:r>
+              <a:rPr lang="es-ES" b="0" dirty="0" err="1">
+                <a:solidFill>
+                  <a:srgbClr val="CCCCCC"/>
+                </a:solidFill>
+                <a:effectLst/>
+                <a:latin typeface="Bookman Old Style" panose="02050604050505020204" pitchFamily="18" charset="0"/>
+              </a:rPr>
+              <a:t>interpretacion</a:t>
+            </a:r>
+            <a:r>
+              <a:rPr lang="es-ES" b="0" dirty="0">
+                <a:solidFill>
+                  <a:srgbClr val="CCCCCC"/>
+                </a:solidFill>
+                <a:effectLst/>
+                <a:latin typeface="Bookman Old Style" panose="02050604050505020204" pitchFamily="18" charset="0"/>
+              </a:rPr>
+              <a:t> de las variables y primeros descartes de variables (12).</a:t>
+            </a:r>
+            <a:r>
+              <a:rPr lang="es-ES" dirty="0">
+                <a:solidFill>
+                  <a:srgbClr val="CCCCCC"/>
+                </a:solidFill>
+                <a:latin typeface="Bookman Old Style" panose="02050604050505020204" pitchFamily="18" charset="0"/>
+                <a:hlinkClick r:id="rId2" action="ppaction://hlinkfile"/>
+              </a:rPr>
+              <a:t>Tabla</a:t>
+            </a:r>
+            <a:endParaRPr lang="es-ES" b="0" dirty="0">
+              <a:solidFill>
+                <a:srgbClr val="CCCCCC"/>
+              </a:solidFill>
+              <a:effectLst/>
+              <a:latin typeface="Bookman Old Style" panose="02050604050505020204" pitchFamily="18" charset="0"/>
+            </a:endParaRPr>
+          </a:p>
+          <a:p>
+            <a:pPr marL="342900" indent="-342900">
+              <a:buAutoNum type="arabicPeriod"/>
+            </a:pPr>
+            <a:endParaRPr lang="es-ES" dirty="0">
+              <a:solidFill>
+                <a:srgbClr val="CCCCCC"/>
+              </a:solidFill>
+              <a:latin typeface="Bookman Old Style" panose="02050604050505020204" pitchFamily="18" charset="0"/>
+            </a:endParaRPr>
+          </a:p>
+          <a:p>
+            <a:pPr marL="342900" indent="-342900">
+              <a:buAutoNum type="arabicPeriod"/>
+            </a:pPr>
+            <a:r>
+              <a:rPr lang="es-ES" dirty="0">
+                <a:latin typeface="Bookman Old Style" panose="02050604050505020204" pitchFamily="18" charset="0"/>
+              </a:rPr>
+              <a:t>La target  toma 3 valores</a:t>
+            </a:r>
+          </a:p>
+          <a:p>
+            <a:r>
+              <a:rPr lang="es-ES" sz="1800" dirty="0">
+                <a:latin typeface="Bookman Old Style" panose="02050604050505020204" pitchFamily="18" charset="0"/>
+              </a:rPr>
+              <a:t>	Falso positivo (48%)</a:t>
+            </a:r>
+          </a:p>
+          <a:p>
+            <a:r>
+              <a:rPr lang="es-ES" dirty="0">
+                <a:latin typeface="Bookman Old Style" panose="02050604050505020204" pitchFamily="18" charset="0"/>
+              </a:rPr>
+              <a:t>	Candidato (27%)</a:t>
+            </a:r>
+          </a:p>
+          <a:p>
+            <a:r>
+              <a:rPr lang="es-ES" sz="1800" dirty="0">
+                <a:latin typeface="Bookman Old Style" panose="02050604050505020204" pitchFamily="18" charset="0"/>
+              </a:rPr>
+              <a:t>	Confirmado (25%)</a:t>
+            </a:r>
+          </a:p>
+          <a:p>
+            <a:endParaRPr lang="es-ES" dirty="0">
+              <a:latin typeface="Bookman Old Style" panose="02050604050505020204" pitchFamily="18" charset="0"/>
+            </a:endParaRPr>
+          </a:p>
+          <a:p>
+            <a:r>
+              <a:rPr lang="es-ES" dirty="0">
+                <a:latin typeface="Bookman Old Style" panose="02050604050505020204" pitchFamily="18" charset="0"/>
+              </a:rPr>
+              <a:t>3. </a:t>
+            </a:r>
+            <a:r>
+              <a:rPr lang="es-ES" b="0" dirty="0">
+                <a:solidFill>
+                  <a:srgbClr val="CCCCCC"/>
+                </a:solidFill>
+                <a:effectLst/>
+                <a:latin typeface="Bookman Old Style" panose="02050604050505020204" pitchFamily="18" charset="0"/>
+              </a:rPr>
+              <a:t>Mini-EDA. Descartamos 6 variables que no son significativas, utilizando la </a:t>
+            </a:r>
+            <a:r>
+              <a:rPr lang="es-ES" b="0" dirty="0" err="1">
+                <a:solidFill>
+                  <a:srgbClr val="CCCCCC"/>
+                </a:solidFill>
+                <a:effectLst/>
+                <a:latin typeface="Bookman Old Style" panose="02050604050505020204" pitchFamily="18" charset="0"/>
+              </a:rPr>
+              <a:t>funcion</a:t>
+            </a:r>
+            <a:r>
+              <a:rPr lang="es-ES" b="0" dirty="0">
+                <a:solidFill>
+                  <a:srgbClr val="CCCCCC"/>
+                </a:solidFill>
+                <a:effectLst/>
+                <a:latin typeface="Bookman Old Style" panose="02050604050505020204" pitchFamily="18" charset="0"/>
+              </a:rPr>
+              <a:t> del </a:t>
+            </a:r>
+            <a:r>
+              <a:rPr lang="es-ES" b="0" dirty="0" err="1">
+                <a:solidFill>
+                  <a:srgbClr val="CCCCCC"/>
+                </a:solidFill>
+                <a:effectLst/>
+                <a:latin typeface="Bookman Old Style" panose="02050604050505020204" pitchFamily="18" charset="0"/>
+              </a:rPr>
+              <a:t>toolbox</a:t>
+            </a:r>
+            <a:r>
+              <a:rPr lang="es-ES" b="0" dirty="0">
+                <a:solidFill>
+                  <a:srgbClr val="CCCCCC"/>
+                </a:solidFill>
+                <a:effectLst/>
+                <a:latin typeface="Bookman Old Style" panose="02050604050505020204" pitchFamily="18" charset="0"/>
+              </a:rPr>
+              <a:t> que utiliza la </a:t>
+            </a:r>
+            <a:r>
+              <a:rPr lang="es-ES" b="0" dirty="0" err="1">
+                <a:solidFill>
+                  <a:srgbClr val="CCCCCC"/>
+                </a:solidFill>
+                <a:effectLst/>
+                <a:latin typeface="Bookman Old Style" panose="02050604050505020204" pitchFamily="18" charset="0"/>
+              </a:rPr>
+              <a:t>signficancia</a:t>
+            </a:r>
+            <a:r>
+              <a:rPr lang="es-ES" b="0" dirty="0">
+                <a:solidFill>
+                  <a:srgbClr val="CCCCCC"/>
+                </a:solidFill>
+                <a:effectLst/>
+                <a:latin typeface="Bookman Old Style" panose="02050604050505020204" pitchFamily="18" charset="0"/>
+              </a:rPr>
+              <a:t> </a:t>
+            </a:r>
+            <a:r>
+              <a:rPr lang="es-ES" b="0" dirty="0" err="1">
+                <a:solidFill>
+                  <a:srgbClr val="CCCCCC"/>
+                </a:solidFill>
+                <a:effectLst/>
+                <a:latin typeface="Bookman Old Style" panose="02050604050505020204" pitchFamily="18" charset="0"/>
+              </a:rPr>
+              <a:t>estadistica</a:t>
+            </a:r>
+            <a:r>
+              <a:rPr lang="es-ES" b="0" dirty="0">
+                <a:solidFill>
+                  <a:srgbClr val="CCCCCC"/>
+                </a:solidFill>
+                <a:effectLst/>
+                <a:latin typeface="Bookman Old Style" panose="02050604050505020204" pitchFamily="18" charset="0"/>
+              </a:rPr>
+              <a:t>.</a:t>
+            </a:r>
+          </a:p>
+          <a:p>
+            <a:endParaRPr lang="es-ES" dirty="0">
+              <a:solidFill>
+                <a:srgbClr val="CCCCCC"/>
+              </a:solidFill>
+              <a:latin typeface="Bookman Old Style" panose="02050604050505020204" pitchFamily="18" charset="0"/>
+            </a:endParaRPr>
+          </a:p>
+          <a:p>
+            <a:r>
+              <a:rPr lang="es-ES" dirty="0">
+                <a:solidFill>
+                  <a:srgbClr val="CCCCCC"/>
+                </a:solidFill>
+                <a:latin typeface="Bookman Old Style" panose="02050604050505020204" pitchFamily="18" charset="0"/>
+              </a:rPr>
+              <a:t> </a:t>
+            </a:r>
+            <a:r>
+              <a:rPr lang="es-ES" dirty="0" err="1">
+                <a:solidFill>
+                  <a:srgbClr val="CCCCCC"/>
+                </a:solidFill>
+                <a:latin typeface="Bookman Old Style" panose="02050604050505020204" pitchFamily="18" charset="0"/>
+              </a:rPr>
+              <a:t>Analisis</a:t>
+            </a:r>
+            <a:r>
+              <a:rPr lang="es-ES" dirty="0">
+                <a:solidFill>
+                  <a:srgbClr val="CCCCCC"/>
+                </a:solidFill>
+                <a:latin typeface="Bookman Old Style" panose="02050604050505020204" pitchFamily="18" charset="0"/>
+              </a:rPr>
+              <a:t> visual</a:t>
+            </a:r>
+          </a:p>
+          <a:p>
+            <a:endParaRPr lang="es-ES" b="0" dirty="0">
+              <a:solidFill>
+                <a:srgbClr val="CCCCCC"/>
+              </a:solidFill>
+              <a:effectLst/>
+              <a:latin typeface="Bookman Old Style" panose="02050604050505020204" pitchFamily="18" charset="0"/>
+            </a:endParaRPr>
+          </a:p>
+          <a:p>
+            <a:endParaRPr lang="es-ES" b="0" dirty="0">
+              <a:solidFill>
+                <a:srgbClr val="CCCCCC"/>
+              </a:solidFill>
+              <a:effectLst/>
+              <a:latin typeface="Bookman Old Style" panose="02050604050505020204" pitchFamily="18" charset="0"/>
+            </a:endParaRPr>
+          </a:p>
+          <a:p>
+            <a:br>
+              <a:rPr lang="es-ES" sz="1800" dirty="0">
+                <a:latin typeface="Bookman Old Style" panose="02050604050505020204" pitchFamily="18" charset="0"/>
+              </a:rPr>
+            </a:br>
+            <a:br>
+              <a:rPr lang="es-ES" sz="1800" dirty="0">
+                <a:latin typeface="Bookman Old Style" panose="02050604050505020204" pitchFamily="18" charset="0"/>
+              </a:rPr>
+            </a:br>
+            <a:endParaRPr lang="es-ES" dirty="0">
+              <a:latin typeface="Bookman Old Style" panose="02050604050505020204" pitchFamily="18" charset="0"/>
+            </a:endParaRPr>
+          </a:p>
+        </p:txBody>
+      </p:sp>
+      <p:sp>
+        <p:nvSpPr>
+          <p:cNvPr id="6" name="Título 1">
+            <a:extLst>
+              <a:ext uri="{FF2B5EF4-FFF2-40B4-BE49-F238E27FC236}">
+                <a16:creationId xmlns:a16="http://schemas.microsoft.com/office/drawing/2014/main" id="{5A58B98D-9878-42F2-B7B4-36911516E291}"/>
+              </a:ext>
+            </a:extLst>
+          </p:cNvPr>
+          <p:cNvSpPr txBox="1">
+            <a:spLocks/>
+          </p:cNvSpPr>
+          <p:nvPr/>
+        </p:nvSpPr>
+        <p:spPr>
+          <a:xfrm>
+            <a:off x="326571" y="167277"/>
+            <a:ext cx="7678010" cy="536439"/>
+          </a:xfrm>
+          <a:prstGeom prst="rect">
+            <a:avLst/>
+          </a:prstGeom>
+          <a:effectLst/>
+        </p:spPr>
+        <p:txBody>
+          <a:bodyPr vert="horz" lIns="91440" tIns="45720" rIns="91440" bIns="45720" rtlCol="0" anchor="b">
+            <a:normAutofit fontScale="70000" lnSpcReduction="20000"/>
+          </a:bodyPr>
+          <a:lstStyle>
+            <a:lvl1pPr algn="r" defTabSz="457200" rtl="0" eaLnBrk="1" latinLnBrk="0" hangingPunct="1">
+              <a:spcBef>
+                <a:spcPct val="0"/>
+              </a:spcBef>
+              <a:buNone/>
+              <a:defRPr sz="4800" kern="1200" cap="all">
+                <a:ln w="3175" cmpd="sng">
+                  <a:noFill/>
+                </a:ln>
+                <a:solidFill>
+                  <a:schemeClr val="tx1"/>
+                </a:solidFill>
+                <a:effectLst/>
+                <a:latin typeface="+mj-lt"/>
+                <a:ea typeface="+mj-ea"/>
+                <a:cs typeface="+mj-cs"/>
+              </a:defRPr>
+            </a:lvl1pPr>
+            <a:lvl2pPr eaLnBrk="1" hangingPunct="1">
+              <a:defRPr>
+                <a:solidFill>
+                  <a:schemeClr val="tx2"/>
+                </a:solidFill>
+              </a:defRPr>
+            </a:lvl2pPr>
+            <a:lvl3pPr eaLnBrk="1" hangingPunct="1">
+              <a:defRPr>
+                <a:solidFill>
+                  <a:schemeClr val="tx2"/>
+                </a:solidFill>
+              </a:defRPr>
+            </a:lvl3pPr>
+            <a:lvl4pPr eaLnBrk="1" hangingPunct="1">
+              <a:defRPr>
+                <a:solidFill>
+                  <a:schemeClr val="tx2"/>
+                </a:solidFill>
+              </a:defRPr>
+            </a:lvl4pPr>
+            <a:lvl5pPr eaLnBrk="1" hangingPunct="1">
+              <a:defRPr>
+                <a:solidFill>
+                  <a:schemeClr val="tx2"/>
+                </a:solidFill>
+              </a:defRPr>
+            </a:lvl5pPr>
+            <a:lvl6pPr eaLnBrk="1" hangingPunct="1">
+              <a:defRPr>
+                <a:solidFill>
+                  <a:schemeClr val="tx2"/>
+                </a:solidFill>
+              </a:defRPr>
+            </a:lvl6pPr>
+            <a:lvl7pPr eaLnBrk="1" hangingPunct="1">
+              <a:defRPr>
+                <a:solidFill>
+                  <a:schemeClr val="tx2"/>
+                </a:solidFill>
+              </a:defRPr>
+            </a:lvl7pPr>
+            <a:lvl8pPr eaLnBrk="1" hangingPunct="1">
+              <a:defRPr>
+                <a:solidFill>
+                  <a:schemeClr val="tx2"/>
+                </a:solidFill>
+              </a:defRPr>
+            </a:lvl8pPr>
+            <a:lvl9pPr eaLnBrk="1" hangingPunct="1">
+              <a:defRPr>
+                <a:solidFill>
+                  <a:schemeClr val="tx2"/>
+                </a:solidFill>
+              </a:defRPr>
+            </a:lvl9pPr>
+          </a:lstStyle>
+          <a:p>
+            <a:pPr algn="l"/>
+            <a:r>
+              <a:rPr lang="es-ES" b="1" dirty="0"/>
+              <a:t>DESARROLLO DEL MODELO</a:t>
+            </a:r>
+          </a:p>
+        </p:txBody>
+      </p:sp>
+      <p:pic>
+        <p:nvPicPr>
+          <p:cNvPr id="4" name="Imagen 3">
+            <a:extLst>
+              <a:ext uri="{FF2B5EF4-FFF2-40B4-BE49-F238E27FC236}">
+                <a16:creationId xmlns:a16="http://schemas.microsoft.com/office/drawing/2014/main" id="{E6AAEF23-D8D2-485A-829D-F4DCE383451D}"/>
+              </a:ext>
+            </a:extLst>
+          </p:cNvPr>
+          <p:cNvPicPr>
+            <a:picLocks noChangeAspect="1"/>
+          </p:cNvPicPr>
+          <p:nvPr/>
+        </p:nvPicPr>
+        <p:blipFill>
+          <a:blip r:embed="rId3"/>
+          <a:stretch>
+            <a:fillRect/>
+          </a:stretch>
+        </p:blipFill>
+        <p:spPr>
+          <a:xfrm>
+            <a:off x="6096000" y="2857407"/>
+            <a:ext cx="5956706" cy="3833316"/>
+          </a:xfrm>
+          <a:prstGeom prst="rect">
+            <a:avLst/>
+          </a:prstGeom>
+        </p:spPr>
+      </p:pic>
+    </p:spTree>
+    <p:extLst>
+      <p:ext uri="{BB962C8B-B14F-4D97-AF65-F5344CB8AC3E}">
+        <p14:creationId xmlns:p14="http://schemas.microsoft.com/office/powerpoint/2010/main" val="343827422"/>
+      </p:ext>
+    </p:extLst>
+  </p:cSld>
+  <p:clrMapOvr>
+    <a:masterClrMapping/>
+  </p:clrMapOvr>
+</p:sld>
+</file>
+
+<file path=ppt/slides/slide7.xml><?xml version="1.0" encoding="utf-8"?>
+<p:sld xmlns:a="http://schemas.openxmlformats.org/drawingml/2006/main" xmlns:r="http://schemas.openxmlformats.org/officeDocument/2006/relationships" xmlns:p="http://schemas.openxmlformats.org/presentationml/2006/main">
+  <p:cSld>
+    <p:spTree>
+      <p:nvGrpSpPr>
+        <p:cNvPr id="1" name=""/>
+        <p:cNvGrpSpPr/>
+        <p:nvPr/>
+      </p:nvGrpSpPr>
+      <p:grpSpPr>
+        <a:xfrm>
+          <a:off x="0" y="0"/>
+          <a:ext cx="0" cy="0"/>
+          <a:chOff x="0" y="0"/>
+          <a:chExt cx="0" cy="0"/>
+        </a:xfrm>
+      </p:grpSpPr>
+      <p:sp>
+        <p:nvSpPr>
+          <p:cNvPr id="10" name="CuadroTexto 9">
+            <a:extLst>
+              <a:ext uri="{FF2B5EF4-FFF2-40B4-BE49-F238E27FC236}">
+                <a16:creationId xmlns:a16="http://schemas.microsoft.com/office/drawing/2014/main" id="{ABCF4F7C-F0B4-4432-9B24-07D1108689AD}"/>
+              </a:ext>
+            </a:extLst>
+          </p:cNvPr>
+          <p:cNvSpPr txBox="1"/>
+          <p:nvPr/>
+        </p:nvSpPr>
+        <p:spPr>
+          <a:xfrm>
+            <a:off x="465348" y="823913"/>
+            <a:ext cx="10570952" cy="6740307"/>
+          </a:xfrm>
+          <a:prstGeom prst="rect">
+            <a:avLst/>
+          </a:prstGeom>
+          <a:noFill/>
+        </p:spPr>
+        <p:txBody>
+          <a:bodyPr wrap="square">
+            <a:spAutoFit/>
+          </a:bodyPr>
+          <a:lstStyle/>
+          <a:p>
+            <a:r>
+              <a:rPr lang="es-ES" b="0" dirty="0">
+                <a:solidFill>
+                  <a:srgbClr val="CCCCCC"/>
+                </a:solidFill>
+                <a:effectLst/>
+                <a:latin typeface="Bookman Old Style" panose="02050604050505020204" pitchFamily="18" charset="0"/>
+              </a:rPr>
+              <a:t>4, Estudio, </a:t>
+            </a:r>
+            <a:r>
+              <a:rPr lang="es-ES" b="0" dirty="0" err="1">
+                <a:solidFill>
+                  <a:srgbClr val="CCCCCC"/>
+                </a:solidFill>
+                <a:effectLst/>
+                <a:latin typeface="Bookman Old Style" panose="02050604050505020204" pitchFamily="18" charset="0"/>
+              </a:rPr>
+              <a:t>interpretacion</a:t>
+            </a:r>
+            <a:r>
+              <a:rPr lang="es-ES" b="0" dirty="0">
+                <a:solidFill>
+                  <a:srgbClr val="CCCCCC"/>
+                </a:solidFill>
+                <a:effectLst/>
+                <a:latin typeface="Bookman Old Style" panose="02050604050505020204" pitchFamily="18" charset="0"/>
+              </a:rPr>
+              <a:t> de las variables y primeros descartes de variables (12).</a:t>
+            </a:r>
+            <a:r>
+              <a:rPr lang="es-ES" dirty="0">
+                <a:solidFill>
+                  <a:srgbClr val="CCCCCC"/>
+                </a:solidFill>
+                <a:latin typeface="Bookman Old Style" panose="02050604050505020204" pitchFamily="18" charset="0"/>
+                <a:hlinkClick r:id="rId2" action="ppaction://hlinkfile"/>
+              </a:rPr>
+              <a:t>Tabla</a:t>
+            </a:r>
+            <a:endParaRPr lang="es-ES" dirty="0">
+              <a:solidFill>
+                <a:srgbClr val="CCCCCC"/>
+              </a:solidFill>
+              <a:latin typeface="Bookman Old Style" panose="02050604050505020204" pitchFamily="18" charset="0"/>
+            </a:endParaRPr>
+          </a:p>
+          <a:p>
+            <a:endParaRPr lang="es-ES" dirty="0">
+              <a:solidFill>
+                <a:srgbClr val="CCCCCC"/>
+              </a:solidFill>
+              <a:latin typeface="Bookman Old Style" panose="02050604050505020204" pitchFamily="18" charset="0"/>
+            </a:endParaRPr>
+          </a:p>
+          <a:p>
+            <a:r>
+              <a:rPr lang="es-ES" b="0" dirty="0">
+                <a:solidFill>
+                  <a:srgbClr val="CCCCCC"/>
+                </a:solidFill>
+                <a:effectLst/>
+                <a:latin typeface="Bookman Old Style" panose="02050604050505020204" pitchFamily="18" charset="0"/>
+              </a:rPr>
+              <a:t>5. Preparación y escalado de las variables con logaritmo y standard </a:t>
+            </a:r>
+            <a:r>
+              <a:rPr lang="es-ES" b="0" dirty="0" err="1">
+                <a:solidFill>
+                  <a:srgbClr val="CCCCCC"/>
+                </a:solidFill>
+                <a:effectLst/>
+                <a:latin typeface="Bookman Old Style" panose="02050604050505020204" pitchFamily="18" charset="0"/>
+              </a:rPr>
+              <a:t>scaler</a:t>
+            </a:r>
+            <a:endParaRPr lang="es-ES" b="0" dirty="0">
+              <a:solidFill>
+                <a:srgbClr val="CCCCCC"/>
+              </a:solidFill>
+              <a:effectLst/>
+              <a:latin typeface="Bookman Old Style" panose="02050604050505020204" pitchFamily="18" charset="0"/>
+            </a:endParaRPr>
+          </a:p>
+          <a:p>
+            <a:endParaRPr lang="es-ES" dirty="0">
+              <a:solidFill>
+                <a:srgbClr val="CCCCCC"/>
+              </a:solidFill>
+              <a:latin typeface="Bookman Old Style" panose="02050604050505020204" pitchFamily="18" charset="0"/>
+            </a:endParaRPr>
+          </a:p>
+          <a:p>
+            <a:r>
+              <a:rPr lang="es-ES" b="0" dirty="0">
+                <a:solidFill>
+                  <a:srgbClr val="CCCCCC"/>
+                </a:solidFill>
+                <a:effectLst/>
+                <a:latin typeface="Bookman Old Style" panose="02050604050505020204" pitchFamily="18" charset="0"/>
+              </a:rPr>
+              <a:t>6. </a:t>
+            </a:r>
+            <a:r>
+              <a:rPr lang="es-ES" b="0" dirty="0" err="1">
+                <a:solidFill>
+                  <a:srgbClr val="CCCCCC"/>
+                </a:solidFill>
+                <a:effectLst/>
+                <a:latin typeface="Bookman Old Style" panose="02050604050505020204" pitchFamily="18" charset="0"/>
+              </a:rPr>
+              <a:t>Matrica</a:t>
+            </a:r>
+            <a:r>
+              <a:rPr lang="es-ES" b="0" dirty="0">
+                <a:solidFill>
+                  <a:srgbClr val="CCCCCC"/>
+                </a:solidFill>
+                <a:effectLst/>
+                <a:latin typeface="Bookman Old Style" panose="02050604050505020204" pitchFamily="18" charset="0"/>
+              </a:rPr>
+              <a:t> a utilizar </a:t>
+            </a:r>
+            <a:r>
+              <a:rPr lang="es-ES" b="0" dirty="0" err="1">
+                <a:solidFill>
+                  <a:srgbClr val="CCCCCC"/>
+                </a:solidFill>
+                <a:effectLst/>
+                <a:latin typeface="Bookman Old Style" panose="02050604050505020204" pitchFamily="18" charset="0"/>
+              </a:rPr>
+              <a:t>Accuracy</a:t>
+            </a:r>
+            <a:r>
+              <a:rPr lang="es-ES" b="0" dirty="0">
+                <a:solidFill>
+                  <a:srgbClr val="CCCCCC"/>
+                </a:solidFill>
+                <a:effectLst/>
+                <a:latin typeface="Bookman Old Style" panose="02050604050505020204" pitchFamily="18" charset="0"/>
+              </a:rPr>
+              <a:t>.</a:t>
+            </a:r>
+          </a:p>
+          <a:p>
+            <a:endParaRPr lang="es-ES" dirty="0">
+              <a:solidFill>
+                <a:srgbClr val="CCCCCC"/>
+              </a:solidFill>
+              <a:latin typeface="Bookman Old Style" panose="02050604050505020204" pitchFamily="18" charset="0"/>
+            </a:endParaRPr>
+          </a:p>
+          <a:p>
+            <a:r>
+              <a:rPr lang="es-ES" dirty="0">
+                <a:solidFill>
+                  <a:srgbClr val="CCCCCC"/>
+                </a:solidFill>
+                <a:latin typeface="Bookman Old Style" panose="02050604050505020204" pitchFamily="18" charset="0"/>
+              </a:rPr>
+              <a:t>7. Entrenamos un KNN como referencia. </a:t>
+            </a:r>
+            <a:r>
+              <a:rPr lang="es-ES" b="0" dirty="0">
+                <a:solidFill>
+                  <a:srgbClr val="CCCCCC"/>
+                </a:solidFill>
+                <a:effectLst/>
+                <a:latin typeface="Bookman Old Style" panose="02050604050505020204" pitchFamily="18" charset="0"/>
+              </a:rPr>
+              <a:t> </a:t>
+            </a:r>
+          </a:p>
+          <a:p>
+            <a:endParaRPr lang="es-ES" dirty="0">
+              <a:solidFill>
+                <a:srgbClr val="CCCCCC"/>
+              </a:solidFill>
+              <a:latin typeface="Bookman Old Style" panose="02050604050505020204" pitchFamily="18" charset="0"/>
+            </a:endParaRPr>
+          </a:p>
+          <a:p>
+            <a:r>
+              <a:rPr lang="es-ES" dirty="0">
+                <a:solidFill>
+                  <a:srgbClr val="CCCCCC"/>
+                </a:solidFill>
+                <a:latin typeface="Bookman Old Style" panose="02050604050505020204" pitchFamily="18" charset="0"/>
+              </a:rPr>
+              <a:t>8. </a:t>
+            </a:r>
+            <a:r>
+              <a:rPr lang="es-ES" b="0" dirty="0">
+                <a:solidFill>
+                  <a:srgbClr val="CCCCCC"/>
+                </a:solidFill>
+                <a:effectLst/>
+                <a:latin typeface="Bookman Old Style" panose="02050604050505020204" pitchFamily="18" charset="0"/>
+              </a:rPr>
+              <a:t>Ahora compararemos con validación cruzada los diferentes modelos clasificadores de ML. </a:t>
+            </a:r>
+            <a:r>
+              <a:rPr lang="es-ES" b="0" dirty="0" err="1">
+                <a:solidFill>
+                  <a:schemeClr val="accent4">
+                    <a:lumMod val="75000"/>
+                  </a:schemeClr>
+                </a:solidFill>
+                <a:effectLst/>
+                <a:latin typeface="Consolas" panose="020B0609020204030204" pitchFamily="49" charset="0"/>
+              </a:rPr>
+              <a:t>LogisticRegression</a:t>
+            </a:r>
+            <a:endParaRPr lang="es-ES" b="0" dirty="0">
+              <a:solidFill>
+                <a:schemeClr val="accent4">
+                  <a:lumMod val="75000"/>
+                </a:schemeClr>
+              </a:solidFill>
+              <a:effectLst/>
+              <a:latin typeface="Consolas" panose="020B0609020204030204" pitchFamily="49" charset="0"/>
+            </a:endParaRPr>
+          </a:p>
+          <a:p>
+            <a:r>
+              <a:rPr lang="es-ES" b="0" dirty="0" err="1">
+                <a:solidFill>
+                  <a:schemeClr val="accent4">
+                    <a:lumMod val="75000"/>
+                  </a:schemeClr>
+                </a:solidFill>
+                <a:effectLst/>
+                <a:latin typeface="Consolas" panose="020B0609020204030204" pitchFamily="49" charset="0"/>
+              </a:rPr>
+              <a:t>RandomForestClassifier</a:t>
+            </a:r>
+            <a:endParaRPr lang="es-ES" b="0" dirty="0">
+              <a:solidFill>
+                <a:schemeClr val="accent4">
+                  <a:lumMod val="75000"/>
+                </a:schemeClr>
+              </a:solidFill>
+              <a:effectLst/>
+              <a:latin typeface="Consolas" panose="020B0609020204030204" pitchFamily="49" charset="0"/>
+            </a:endParaRPr>
+          </a:p>
+          <a:p>
+            <a:r>
+              <a:rPr lang="es-ES" b="0" dirty="0" err="1">
+                <a:solidFill>
+                  <a:schemeClr val="accent4">
+                    <a:lumMod val="75000"/>
+                  </a:schemeClr>
+                </a:solidFill>
+                <a:effectLst/>
+                <a:latin typeface="Consolas" panose="020B0609020204030204" pitchFamily="49" charset="0"/>
+              </a:rPr>
+              <a:t>XGBClassifier</a:t>
+            </a:r>
+            <a:endParaRPr lang="es-ES" b="0" dirty="0">
+              <a:solidFill>
+                <a:schemeClr val="accent4">
+                  <a:lumMod val="75000"/>
+                </a:schemeClr>
+              </a:solidFill>
+              <a:effectLst/>
+              <a:latin typeface="Consolas" panose="020B0609020204030204" pitchFamily="49" charset="0"/>
+            </a:endParaRPr>
+          </a:p>
+          <a:p>
+            <a:r>
+              <a:rPr lang="es-ES" b="0" dirty="0" err="1">
+                <a:solidFill>
+                  <a:schemeClr val="accent4">
+                    <a:lumMod val="75000"/>
+                  </a:schemeClr>
+                </a:solidFill>
+                <a:effectLst/>
+                <a:latin typeface="Consolas" panose="020B0609020204030204" pitchFamily="49" charset="0"/>
+              </a:rPr>
+              <a:t>LGBMClassifier</a:t>
+            </a:r>
+            <a:endParaRPr lang="es-ES" b="0" dirty="0">
+              <a:solidFill>
+                <a:schemeClr val="accent4">
+                  <a:lumMod val="75000"/>
+                </a:schemeClr>
+              </a:solidFill>
+              <a:effectLst/>
+              <a:latin typeface="Consolas" panose="020B0609020204030204" pitchFamily="49" charset="0"/>
+            </a:endParaRPr>
+          </a:p>
+          <a:p>
+            <a:r>
+              <a:rPr lang="es-ES" b="0" dirty="0" err="1">
+                <a:solidFill>
+                  <a:schemeClr val="accent4">
+                    <a:lumMod val="75000"/>
+                  </a:schemeClr>
+                </a:solidFill>
+                <a:effectLst/>
+                <a:latin typeface="Consolas" panose="020B0609020204030204" pitchFamily="49" charset="0"/>
+              </a:rPr>
+              <a:t>CatBoostClassifier</a:t>
+            </a:r>
+            <a:endParaRPr lang="es-ES" b="0" dirty="0">
+              <a:solidFill>
+                <a:schemeClr val="accent4">
+                  <a:lumMod val="75000"/>
+                </a:schemeClr>
+              </a:solidFill>
+              <a:effectLst/>
+              <a:latin typeface="Consolas" panose="020B0609020204030204" pitchFamily="49" charset="0"/>
+            </a:endParaRPr>
+          </a:p>
+          <a:p>
+            <a:endParaRPr lang="es-ES" dirty="0">
+              <a:latin typeface="Bookman Old Style" panose="02050604050505020204" pitchFamily="18" charset="0"/>
+            </a:endParaRPr>
+          </a:p>
+          <a:p>
+            <a:r>
+              <a:rPr lang="es-ES" b="0" dirty="0">
+                <a:solidFill>
+                  <a:srgbClr val="CCCCCC"/>
+                </a:solidFill>
+                <a:effectLst/>
+                <a:latin typeface="Bookman Old Style" panose="02050604050505020204" pitchFamily="18" charset="0"/>
+              </a:rPr>
+              <a:t>Aunque el ganador es </a:t>
+            </a:r>
+            <a:r>
+              <a:rPr lang="es-ES" b="0" dirty="0" err="1">
+                <a:solidFill>
+                  <a:srgbClr val="CCCCCC"/>
+                </a:solidFill>
+                <a:effectLst/>
+                <a:latin typeface="Bookman Old Style" panose="02050604050505020204" pitchFamily="18" charset="0"/>
+              </a:rPr>
+              <a:t>CatBoost</a:t>
+            </a:r>
+            <a:r>
+              <a:rPr lang="es-ES" b="0" dirty="0">
+                <a:solidFill>
+                  <a:srgbClr val="CCCCCC"/>
+                </a:solidFill>
+                <a:effectLst/>
+                <a:latin typeface="Bookman Old Style" panose="02050604050505020204" pitchFamily="18" charset="0"/>
+              </a:rPr>
+              <a:t> con </a:t>
+            </a:r>
+            <a:r>
+              <a:rPr lang="es-ES" b="0" dirty="0">
+                <a:effectLst/>
+                <a:latin typeface="Bookman Old Style" panose="02050604050505020204" pitchFamily="18" charset="0"/>
+              </a:rPr>
+              <a:t>un </a:t>
+            </a:r>
+            <a:r>
+              <a:rPr lang="es-ES" b="0" dirty="0" err="1">
+                <a:effectLst/>
+                <a:latin typeface="Bookman Old Style" panose="02050604050505020204" pitchFamily="18" charset="0"/>
+              </a:rPr>
+              <a:t>accuracy</a:t>
+            </a:r>
+            <a:r>
+              <a:rPr lang="es-ES" b="0" dirty="0">
+                <a:solidFill>
+                  <a:srgbClr val="CCCCCC"/>
+                </a:solidFill>
+                <a:effectLst/>
+                <a:latin typeface="Bookman Old Style" panose="02050604050505020204" pitchFamily="18" charset="0"/>
+              </a:rPr>
+              <a:t> </a:t>
+            </a:r>
+            <a:r>
+              <a:rPr lang="es-ES" b="0" i="0" dirty="0">
+                <a:solidFill>
+                  <a:srgbClr val="CCCCCC"/>
+                </a:solidFill>
+                <a:effectLst/>
+                <a:latin typeface="Bookman Old Style" panose="02050604050505020204" pitchFamily="18" charset="0"/>
+              </a:rPr>
+              <a:t>0.7809 </a:t>
+            </a:r>
+            <a:r>
+              <a:rPr lang="es-ES" b="0" dirty="0">
+                <a:solidFill>
+                  <a:srgbClr val="CCCCCC"/>
+                </a:solidFill>
+                <a:effectLst/>
+                <a:latin typeface="Bookman Old Style" panose="02050604050505020204" pitchFamily="18" charset="0"/>
+              </a:rPr>
+              <a:t>entiendo que el coste de proceso no justifica la escasa diferencia con el segundo que es </a:t>
+            </a:r>
+            <a:r>
+              <a:rPr lang="es-ES" b="0" dirty="0" err="1">
+                <a:solidFill>
+                  <a:srgbClr val="CCCCCC"/>
+                </a:solidFill>
+                <a:effectLst/>
+                <a:latin typeface="Bookman Old Style" panose="02050604050505020204" pitchFamily="18" charset="0"/>
+              </a:rPr>
+              <a:t>LightGBM</a:t>
+            </a:r>
+            <a:r>
+              <a:rPr lang="es-ES" b="0" dirty="0">
+                <a:solidFill>
+                  <a:srgbClr val="CCCCCC"/>
+                </a:solidFill>
+                <a:effectLst/>
+                <a:latin typeface="Bookman Old Style" panose="02050604050505020204" pitchFamily="18" charset="0"/>
+              </a:rPr>
+              <a:t> </a:t>
+            </a:r>
+            <a:r>
+              <a:rPr lang="es-ES" b="0" dirty="0">
+                <a:effectLst/>
+                <a:latin typeface="Bookman Old Style" panose="02050604050505020204" pitchFamily="18" charset="0"/>
+              </a:rPr>
+              <a:t>con un </a:t>
+            </a:r>
+            <a:r>
+              <a:rPr lang="es-ES" b="0" dirty="0" err="1">
+                <a:effectLst/>
+                <a:latin typeface="Bookman Old Style" panose="02050604050505020204" pitchFamily="18" charset="0"/>
+              </a:rPr>
+              <a:t>accuracy</a:t>
+            </a:r>
+            <a:r>
+              <a:rPr lang="es-ES" b="0" dirty="0">
+                <a:effectLst/>
+                <a:latin typeface="Bookman Old Style" panose="02050604050505020204" pitchFamily="18" charset="0"/>
+              </a:rPr>
+              <a:t> de </a:t>
+            </a:r>
+            <a:r>
+              <a:rPr lang="es-ES" b="0" i="0" dirty="0">
+                <a:effectLst/>
+                <a:latin typeface="Bookman Old Style" panose="02050604050505020204" pitchFamily="18" charset="0"/>
+              </a:rPr>
+              <a:t>0.7744</a:t>
+            </a:r>
+            <a:r>
+              <a:rPr lang="es-ES" b="0" dirty="0">
+                <a:solidFill>
+                  <a:srgbClr val="CCCCCC"/>
+                </a:solidFill>
+                <a:effectLst/>
+                <a:latin typeface="Bookman Old Style" panose="02050604050505020204" pitchFamily="18" charset="0"/>
+              </a:rPr>
+              <a:t>. Elijo el modelo </a:t>
+            </a:r>
+            <a:r>
+              <a:rPr lang="es-ES" b="0" dirty="0" err="1">
+                <a:solidFill>
+                  <a:srgbClr val="CCCCCC"/>
+                </a:solidFill>
+                <a:effectLst/>
+                <a:latin typeface="Bookman Old Style" panose="02050604050505020204" pitchFamily="18" charset="0"/>
+              </a:rPr>
+              <a:t>LightGBM</a:t>
+            </a:r>
+            <a:r>
+              <a:rPr lang="es-ES" b="0" dirty="0">
+                <a:solidFill>
+                  <a:srgbClr val="CCCCCC"/>
+                </a:solidFill>
+                <a:effectLst/>
+                <a:latin typeface="Bookman Old Style" panose="02050604050505020204" pitchFamily="18" charset="0"/>
+              </a:rPr>
+              <a:t> que tiene casi la misma métrica que el primero pero con una carga de proceso muy inferior.</a:t>
+            </a:r>
+          </a:p>
+          <a:p>
+            <a:endParaRPr lang="es-ES" dirty="0">
+              <a:solidFill>
+                <a:srgbClr val="CCCCCC"/>
+              </a:solidFill>
+              <a:latin typeface="Bookman Old Style" panose="02050604050505020204" pitchFamily="18" charset="0"/>
+            </a:endParaRPr>
+          </a:p>
+          <a:p>
+            <a:r>
+              <a:rPr lang="es-ES" b="0" dirty="0">
+                <a:solidFill>
+                  <a:srgbClr val="CCCCCC"/>
+                </a:solidFill>
+                <a:effectLst/>
+                <a:latin typeface="Bookman Old Style" panose="02050604050505020204" pitchFamily="18" charset="0"/>
+              </a:rPr>
+              <a:t>9. </a:t>
+            </a:r>
+            <a:r>
+              <a:rPr lang="es-ES" dirty="0" err="1">
+                <a:solidFill>
+                  <a:srgbClr val="CCCCCC"/>
+                </a:solidFill>
+                <a:latin typeface="Bookman Old Style" panose="02050604050505020204" pitchFamily="18" charset="0"/>
+              </a:rPr>
+              <a:t>Optimizacion</a:t>
+            </a:r>
+            <a:r>
+              <a:rPr lang="es-ES" dirty="0">
+                <a:solidFill>
+                  <a:srgbClr val="CCCCCC"/>
+                </a:solidFill>
+                <a:latin typeface="Bookman Old Style" panose="02050604050505020204" pitchFamily="18" charset="0"/>
+              </a:rPr>
+              <a:t> de para metros de </a:t>
+            </a:r>
+            <a:r>
+              <a:rPr lang="es-ES" b="0" dirty="0" err="1">
+                <a:solidFill>
+                  <a:schemeClr val="accent4">
+                    <a:lumMod val="75000"/>
+                  </a:schemeClr>
+                </a:solidFill>
+                <a:effectLst/>
+                <a:latin typeface="Consolas" panose="020B0609020204030204" pitchFamily="49" charset="0"/>
+              </a:rPr>
+              <a:t>LGBMClassifier</a:t>
+            </a:r>
+            <a:endParaRPr lang="es-ES" b="0" dirty="0">
+              <a:solidFill>
+                <a:srgbClr val="CCCCCC"/>
+              </a:solidFill>
+              <a:effectLst/>
+              <a:latin typeface="Bookman Old Style" panose="02050604050505020204" pitchFamily="18" charset="0"/>
+            </a:endParaRPr>
+          </a:p>
+          <a:p>
+            <a:br>
+              <a:rPr lang="es-ES" sz="1800" dirty="0">
+                <a:latin typeface="Bookman Old Style" panose="02050604050505020204" pitchFamily="18" charset="0"/>
+              </a:rPr>
+            </a:br>
+            <a:br>
+              <a:rPr lang="es-ES" sz="1800" dirty="0">
+                <a:latin typeface="Bookman Old Style" panose="02050604050505020204" pitchFamily="18" charset="0"/>
+              </a:rPr>
+            </a:br>
+            <a:endParaRPr lang="es-ES" dirty="0">
+              <a:latin typeface="Bookman Old Style" panose="02050604050505020204" pitchFamily="18" charset="0"/>
+            </a:endParaRPr>
+          </a:p>
+        </p:txBody>
+      </p:sp>
+      <p:sp>
+        <p:nvSpPr>
+          <p:cNvPr id="6" name="Título 1">
+            <a:extLst>
+              <a:ext uri="{FF2B5EF4-FFF2-40B4-BE49-F238E27FC236}">
+                <a16:creationId xmlns:a16="http://schemas.microsoft.com/office/drawing/2014/main" id="{5A58B98D-9878-42F2-B7B4-36911516E291}"/>
+              </a:ext>
+            </a:extLst>
+          </p:cNvPr>
+          <p:cNvSpPr txBox="1">
+            <a:spLocks/>
+          </p:cNvSpPr>
+          <p:nvPr/>
+        </p:nvSpPr>
+        <p:spPr>
+          <a:xfrm>
+            <a:off x="326571" y="167277"/>
+            <a:ext cx="7678010" cy="536439"/>
+          </a:xfrm>
+          <a:prstGeom prst="rect">
+            <a:avLst/>
+          </a:prstGeom>
+          <a:effectLst/>
+        </p:spPr>
+        <p:txBody>
+          <a:bodyPr vert="horz" lIns="91440" tIns="45720" rIns="91440" bIns="45720" rtlCol="0" anchor="b">
+            <a:normAutofit fontScale="70000" lnSpcReduction="20000"/>
+          </a:bodyPr>
+          <a:lstStyle>
+            <a:lvl1pPr algn="r" defTabSz="457200" rtl="0" eaLnBrk="1" latinLnBrk="0" hangingPunct="1">
+              <a:spcBef>
+                <a:spcPct val="0"/>
+              </a:spcBef>
+              <a:buNone/>
+              <a:defRPr sz="4800" kern="1200" cap="all">
+                <a:ln w="3175" cmpd="sng">
+                  <a:noFill/>
+                </a:ln>
+                <a:solidFill>
+                  <a:schemeClr val="tx1"/>
+                </a:solidFill>
+                <a:effectLst/>
+                <a:latin typeface="+mj-lt"/>
+                <a:ea typeface="+mj-ea"/>
+                <a:cs typeface="+mj-cs"/>
+              </a:defRPr>
+            </a:lvl1pPr>
+            <a:lvl2pPr eaLnBrk="1" hangingPunct="1">
+              <a:defRPr>
+                <a:solidFill>
+                  <a:schemeClr val="tx2"/>
+                </a:solidFill>
+              </a:defRPr>
+            </a:lvl2pPr>
+            <a:lvl3pPr eaLnBrk="1" hangingPunct="1">
+              <a:defRPr>
+                <a:solidFill>
+                  <a:schemeClr val="tx2"/>
+                </a:solidFill>
+              </a:defRPr>
+            </a:lvl3pPr>
+            <a:lvl4pPr eaLnBrk="1" hangingPunct="1">
+              <a:defRPr>
+                <a:solidFill>
+                  <a:schemeClr val="tx2"/>
+                </a:solidFill>
+              </a:defRPr>
+            </a:lvl4pPr>
+            <a:lvl5pPr eaLnBrk="1" hangingPunct="1">
+              <a:defRPr>
+                <a:solidFill>
+                  <a:schemeClr val="tx2"/>
+                </a:solidFill>
+              </a:defRPr>
+            </a:lvl5pPr>
+            <a:lvl6pPr eaLnBrk="1" hangingPunct="1">
+              <a:defRPr>
+                <a:solidFill>
+                  <a:schemeClr val="tx2"/>
+                </a:solidFill>
+              </a:defRPr>
+            </a:lvl6pPr>
+            <a:lvl7pPr eaLnBrk="1" hangingPunct="1">
+              <a:defRPr>
+                <a:solidFill>
+                  <a:schemeClr val="tx2"/>
+                </a:solidFill>
+              </a:defRPr>
+            </a:lvl7pPr>
+            <a:lvl8pPr eaLnBrk="1" hangingPunct="1">
+              <a:defRPr>
+                <a:solidFill>
+                  <a:schemeClr val="tx2"/>
+                </a:solidFill>
+              </a:defRPr>
+            </a:lvl8pPr>
+            <a:lvl9pPr eaLnBrk="1" hangingPunct="1">
+              <a:defRPr>
+                <a:solidFill>
+                  <a:schemeClr val="tx2"/>
+                </a:solidFill>
+              </a:defRPr>
+            </a:lvl9pPr>
+          </a:lstStyle>
+          <a:p>
+            <a:pPr algn="l"/>
+            <a:r>
+              <a:rPr lang="es-ES" b="1" dirty="0"/>
+              <a:t>DESARROLLO DEL MODELO</a:t>
+            </a:r>
+          </a:p>
+        </p:txBody>
+      </p:sp>
+    </p:spTree>
+    <p:extLst>
+      <p:ext uri="{BB962C8B-B14F-4D97-AF65-F5344CB8AC3E}">
+        <p14:creationId xmlns:p14="http://schemas.microsoft.com/office/powerpoint/2010/main" val="1171400322"/>
+      </p:ext>
+    </p:extLst>
+  </p:cSld>
+  <p:clrMapOvr>
+    <a:masterClrMapping/>
+  </p:clrMapOvr>
+</p:sld>
+</file>
+
+<file path=ppt/slides/slide8.xml><?xml version="1.0" encoding="utf-8"?>
+<p:sld xmlns:a="http://schemas.openxmlformats.org/drawingml/2006/main" xmlns:r="http://schemas.openxmlformats.org/officeDocument/2006/relationships" xmlns:p="http://schemas.openxmlformats.org/presentationml/2006/main">
+  <p:cSld>
+    <p:spTree>
+      <p:nvGrpSpPr>
+        <p:cNvPr id="1" name=""/>
+        <p:cNvGrpSpPr/>
+        <p:nvPr/>
+      </p:nvGrpSpPr>
+      <p:grpSpPr>
+        <a:xfrm>
+          <a:off x="0" y="0"/>
+          <a:ext cx="0" cy="0"/>
+          <a:chOff x="0" y="0"/>
+          <a:chExt cx="0" cy="0"/>
+        </a:xfrm>
+      </p:grpSpPr>
+      <p:sp>
+        <p:nvSpPr>
+          <p:cNvPr id="10" name="CuadroTexto 9">
+            <a:extLst>
+              <a:ext uri="{FF2B5EF4-FFF2-40B4-BE49-F238E27FC236}">
+                <a16:creationId xmlns:a16="http://schemas.microsoft.com/office/drawing/2014/main" id="{ABCF4F7C-F0B4-4432-9B24-07D1108689AD}"/>
+              </a:ext>
+            </a:extLst>
+          </p:cNvPr>
+          <p:cNvSpPr txBox="1"/>
+          <p:nvPr/>
+        </p:nvSpPr>
+        <p:spPr>
+          <a:xfrm>
+            <a:off x="5646948" y="1725613"/>
+            <a:ext cx="5490952" cy="3970318"/>
+          </a:xfrm>
+          <a:prstGeom prst="rect">
+            <a:avLst/>
+          </a:prstGeom>
+          <a:noFill/>
+        </p:spPr>
+        <p:txBody>
+          <a:bodyPr wrap="square">
+            <a:spAutoFit/>
+          </a:bodyPr>
+          <a:lstStyle/>
+          <a:p>
+            <a:r>
+              <a:rPr lang="es-ES" b="0" dirty="0">
+                <a:solidFill>
+                  <a:srgbClr val="CCCCCC"/>
+                </a:solidFill>
+                <a:effectLst/>
+                <a:latin typeface="Bookman Old Style" panose="02050604050505020204" pitchFamily="18" charset="0"/>
+              </a:rPr>
+              <a:t>9. </a:t>
+            </a:r>
+            <a:r>
+              <a:rPr lang="es-ES" dirty="0" err="1">
+                <a:solidFill>
+                  <a:srgbClr val="CCCCCC"/>
+                </a:solidFill>
+                <a:latin typeface="Bookman Old Style" panose="02050604050505020204" pitchFamily="18" charset="0"/>
+              </a:rPr>
+              <a:t>Optimizacion</a:t>
+            </a:r>
+            <a:r>
+              <a:rPr lang="es-ES" dirty="0">
+                <a:solidFill>
+                  <a:srgbClr val="CCCCCC"/>
+                </a:solidFill>
+                <a:latin typeface="Bookman Old Style" panose="02050604050505020204" pitchFamily="18" charset="0"/>
+              </a:rPr>
+              <a:t> de </a:t>
+            </a:r>
+            <a:r>
+              <a:rPr lang="es-ES" dirty="0" err="1">
+                <a:solidFill>
+                  <a:srgbClr val="CCCCCC"/>
+                </a:solidFill>
+                <a:latin typeface="Bookman Old Style" panose="02050604050505020204" pitchFamily="18" charset="0"/>
+              </a:rPr>
+              <a:t>hiperparámetros</a:t>
+            </a:r>
+            <a:r>
+              <a:rPr lang="es-ES" dirty="0">
+                <a:solidFill>
+                  <a:srgbClr val="CCCCCC"/>
+                </a:solidFill>
+                <a:latin typeface="Bookman Old Style" panose="02050604050505020204" pitchFamily="18" charset="0"/>
+              </a:rPr>
+              <a:t> de </a:t>
+            </a:r>
+            <a:r>
+              <a:rPr lang="es-ES" b="0" dirty="0" err="1">
+                <a:solidFill>
+                  <a:schemeClr val="accent4">
+                    <a:lumMod val="75000"/>
+                  </a:schemeClr>
+                </a:solidFill>
+                <a:effectLst/>
+                <a:latin typeface="Consolas" panose="020B0609020204030204" pitchFamily="49" charset="0"/>
+              </a:rPr>
+              <a:t>LGBMClassifier</a:t>
+            </a:r>
+            <a:endParaRPr lang="es-ES" b="0" dirty="0">
+              <a:solidFill>
+                <a:srgbClr val="CCCCCC"/>
+              </a:solidFill>
+              <a:effectLst/>
+              <a:latin typeface="Bookman Old Style" panose="02050604050505020204" pitchFamily="18" charset="0"/>
+            </a:endParaRPr>
+          </a:p>
+          <a:p>
+            <a:endParaRPr lang="es-ES" sz="1800" dirty="0">
+              <a:latin typeface="Bookman Old Style" panose="02050604050505020204" pitchFamily="18" charset="0"/>
+            </a:endParaRPr>
+          </a:p>
+          <a:p>
+            <a:pPr algn="l"/>
+            <a:endParaRPr lang="es-ES" b="0" i="0" dirty="0">
+              <a:solidFill>
+                <a:srgbClr val="CCCCCC"/>
+              </a:solidFill>
+              <a:effectLst/>
+              <a:latin typeface="Bookman Old Style" panose="02050604050505020204" pitchFamily="18" charset="0"/>
+            </a:endParaRPr>
+          </a:p>
+          <a:p>
+            <a:pPr algn="l"/>
+            <a:r>
+              <a:rPr lang="es-ES" b="0" i="0" dirty="0">
+                <a:solidFill>
+                  <a:srgbClr val="CCCCCC"/>
+                </a:solidFill>
+                <a:effectLst/>
+                <a:latin typeface="Bookman Old Style" panose="02050604050505020204" pitchFamily="18" charset="0"/>
+              </a:rPr>
+              <a:t>{'</a:t>
+            </a:r>
+            <a:r>
+              <a:rPr lang="es-ES" b="0" i="0" dirty="0" err="1">
+                <a:solidFill>
+                  <a:srgbClr val="CCCCCC"/>
+                </a:solidFill>
+                <a:effectLst/>
+                <a:latin typeface="Bookman Old Style" panose="02050604050505020204" pitchFamily="18" charset="0"/>
+              </a:rPr>
+              <a:t>class_weight</a:t>
+            </a:r>
+            <a:r>
+              <a:rPr lang="es-ES" b="0" i="0" dirty="0">
+                <a:solidFill>
+                  <a:srgbClr val="CCCCCC"/>
+                </a:solidFill>
+                <a:effectLst/>
+                <a:latin typeface="Bookman Old Style" panose="02050604050505020204" pitchFamily="18" charset="0"/>
+              </a:rPr>
+              <a:t>': </a:t>
+            </a:r>
+            <a:r>
+              <a:rPr lang="es-ES" b="0" i="0" dirty="0" err="1">
+                <a:solidFill>
+                  <a:srgbClr val="CCCCCC"/>
+                </a:solidFill>
+                <a:effectLst/>
+                <a:latin typeface="Bookman Old Style" panose="02050604050505020204" pitchFamily="18" charset="0"/>
+              </a:rPr>
+              <a:t>None</a:t>
+            </a:r>
+            <a:r>
+              <a:rPr lang="es-ES" b="0" i="0" dirty="0">
+                <a:solidFill>
+                  <a:srgbClr val="CCCCCC"/>
+                </a:solidFill>
+                <a:effectLst/>
+                <a:latin typeface="Bookman Old Style" panose="02050604050505020204" pitchFamily="18" charset="0"/>
+              </a:rPr>
+              <a:t>,</a:t>
+            </a:r>
+          </a:p>
+          <a:p>
+            <a:pPr algn="l"/>
+            <a:r>
+              <a:rPr lang="es-ES" b="0" i="0" dirty="0">
+                <a:solidFill>
+                  <a:srgbClr val="CCCCCC"/>
+                </a:solidFill>
+                <a:effectLst/>
+                <a:latin typeface="Bookman Old Style" panose="02050604050505020204" pitchFamily="18" charset="0"/>
+              </a:rPr>
+              <a:t> '</a:t>
+            </a:r>
+            <a:r>
+              <a:rPr lang="es-ES" b="0" i="0" dirty="0" err="1">
+                <a:solidFill>
+                  <a:srgbClr val="CCCCCC"/>
+                </a:solidFill>
+                <a:effectLst/>
+                <a:latin typeface="Bookman Old Style" panose="02050604050505020204" pitchFamily="18" charset="0"/>
+              </a:rPr>
+              <a:t>learning_rate</a:t>
+            </a:r>
+            <a:r>
+              <a:rPr lang="es-ES" b="0" i="0" dirty="0">
+                <a:solidFill>
+                  <a:srgbClr val="CCCCCC"/>
+                </a:solidFill>
+                <a:effectLst/>
+                <a:latin typeface="Bookman Old Style" panose="02050604050505020204" pitchFamily="18" charset="0"/>
+              </a:rPr>
+              <a:t>': 0.1,</a:t>
+            </a:r>
+          </a:p>
+          <a:p>
+            <a:pPr algn="l"/>
+            <a:r>
+              <a:rPr lang="es-ES" b="0" i="0" dirty="0">
+                <a:solidFill>
+                  <a:srgbClr val="CCCCCC"/>
+                </a:solidFill>
+                <a:effectLst/>
+                <a:latin typeface="Bookman Old Style" panose="02050604050505020204" pitchFamily="18" charset="0"/>
+              </a:rPr>
+              <a:t> '</a:t>
+            </a:r>
+            <a:r>
+              <a:rPr lang="es-ES" b="0" i="0" dirty="0" err="1">
+                <a:solidFill>
+                  <a:srgbClr val="CCCCCC"/>
+                </a:solidFill>
+                <a:effectLst/>
+                <a:latin typeface="Bookman Old Style" panose="02050604050505020204" pitchFamily="18" charset="0"/>
+              </a:rPr>
+              <a:t>max_depth</a:t>
+            </a:r>
+            <a:r>
+              <a:rPr lang="es-ES" b="0" i="0" dirty="0">
+                <a:solidFill>
+                  <a:srgbClr val="CCCCCC"/>
+                </a:solidFill>
+                <a:effectLst/>
+                <a:latin typeface="Bookman Old Style" panose="02050604050505020204" pitchFamily="18" charset="0"/>
+              </a:rPr>
+              <a:t>': 6,</a:t>
+            </a:r>
+          </a:p>
+          <a:p>
+            <a:pPr algn="l"/>
+            <a:r>
+              <a:rPr lang="es-ES" b="0" i="0" dirty="0">
+                <a:solidFill>
+                  <a:srgbClr val="CCCCCC"/>
+                </a:solidFill>
+                <a:effectLst/>
+                <a:latin typeface="Bookman Old Style" panose="02050604050505020204" pitchFamily="18" charset="0"/>
+              </a:rPr>
+              <a:t> '</a:t>
+            </a:r>
+            <a:r>
+              <a:rPr lang="es-ES" b="0" i="0" dirty="0" err="1">
+                <a:solidFill>
+                  <a:srgbClr val="CCCCCC"/>
+                </a:solidFill>
+                <a:effectLst/>
+                <a:latin typeface="Bookman Old Style" panose="02050604050505020204" pitchFamily="18" charset="0"/>
+              </a:rPr>
+              <a:t>min_data_in_leaf</a:t>
+            </a:r>
+            <a:r>
+              <a:rPr lang="es-ES" b="0" i="0" dirty="0">
+                <a:solidFill>
+                  <a:srgbClr val="CCCCCC"/>
+                </a:solidFill>
+                <a:effectLst/>
+                <a:latin typeface="Bookman Old Style" panose="02050604050505020204" pitchFamily="18" charset="0"/>
+              </a:rPr>
+              <a:t>': 10, </a:t>
+            </a:r>
+          </a:p>
+          <a:p>
+            <a:pPr algn="l"/>
+            <a:r>
+              <a:rPr lang="es-ES" b="0" i="0" dirty="0">
+                <a:solidFill>
+                  <a:srgbClr val="CCCCCC"/>
+                </a:solidFill>
+                <a:effectLst/>
+                <a:latin typeface="Bookman Old Style" panose="02050604050505020204" pitchFamily="18" charset="0"/>
+              </a:rPr>
+              <a:t>'</a:t>
+            </a:r>
+            <a:r>
+              <a:rPr lang="es-ES" b="0" i="0" dirty="0" err="1">
+                <a:solidFill>
+                  <a:srgbClr val="CCCCCC"/>
+                </a:solidFill>
+                <a:effectLst/>
+                <a:latin typeface="Bookman Old Style" panose="02050604050505020204" pitchFamily="18" charset="0"/>
+              </a:rPr>
+              <a:t>n_estimators</a:t>
+            </a:r>
+            <a:r>
+              <a:rPr lang="es-ES" b="0" i="0" dirty="0">
+                <a:solidFill>
+                  <a:srgbClr val="CCCCCC"/>
+                </a:solidFill>
+                <a:effectLst/>
+                <a:latin typeface="Bookman Old Style" panose="02050604050505020204" pitchFamily="18" charset="0"/>
+              </a:rPr>
+              <a:t>': 500}</a:t>
+            </a:r>
+          </a:p>
+          <a:p>
+            <a:pPr algn="l"/>
+            <a:endParaRPr lang="es-ES" dirty="0">
+              <a:solidFill>
+                <a:srgbClr val="CCCCCC"/>
+              </a:solidFill>
+              <a:latin typeface="Bookman Old Style" panose="02050604050505020204" pitchFamily="18" charset="0"/>
+            </a:endParaRPr>
+          </a:p>
+          <a:p>
+            <a:pPr algn="l"/>
+            <a:endParaRPr lang="es-ES" b="0" i="0" dirty="0">
+              <a:solidFill>
+                <a:srgbClr val="CCCCCC"/>
+              </a:solidFill>
+              <a:effectLst/>
+              <a:latin typeface="Bookman Old Style" panose="02050604050505020204" pitchFamily="18" charset="0"/>
+            </a:endParaRPr>
+          </a:p>
+          <a:p>
+            <a:pPr algn="l"/>
+            <a:r>
+              <a:rPr lang="es-ES" b="0" i="0" dirty="0">
+                <a:solidFill>
+                  <a:srgbClr val="CCCCCC"/>
+                </a:solidFill>
+                <a:effectLst/>
+                <a:latin typeface="Bookman Old Style" panose="02050604050505020204" pitchFamily="18" charset="0"/>
+              </a:rPr>
+              <a:t>LGB </a:t>
+            </a:r>
+            <a:r>
+              <a:rPr lang="es-ES" b="0" i="0" dirty="0" err="1">
+                <a:solidFill>
+                  <a:srgbClr val="CCCCCC"/>
+                </a:solidFill>
+                <a:effectLst/>
+                <a:latin typeface="Bookman Old Style" panose="02050604050505020204" pitchFamily="18" charset="0"/>
+              </a:rPr>
+              <a:t>best_score</a:t>
+            </a:r>
+            <a:r>
+              <a:rPr lang="es-ES" b="0" i="0" dirty="0">
+                <a:solidFill>
+                  <a:srgbClr val="CCCCCC"/>
+                </a:solidFill>
+                <a:effectLst/>
+                <a:latin typeface="Bookman Old Style" panose="02050604050505020204" pitchFamily="18" charset="0"/>
+              </a:rPr>
+              <a:t>: 0.7877055039313797</a:t>
+            </a:r>
+          </a:p>
+          <a:p>
+            <a:endParaRPr lang="es-ES" dirty="0">
+              <a:latin typeface="Bookman Old Style" panose="02050604050505020204" pitchFamily="18" charset="0"/>
+            </a:endParaRPr>
+          </a:p>
+          <a:p>
+            <a:endParaRPr lang="es-ES" dirty="0">
+              <a:latin typeface="Bookman Old Style" panose="02050604050505020204" pitchFamily="18" charset="0"/>
+            </a:endParaRPr>
+          </a:p>
+        </p:txBody>
+      </p:sp>
+      <p:sp>
+        <p:nvSpPr>
+          <p:cNvPr id="6" name="Título 1">
+            <a:extLst>
+              <a:ext uri="{FF2B5EF4-FFF2-40B4-BE49-F238E27FC236}">
+                <a16:creationId xmlns:a16="http://schemas.microsoft.com/office/drawing/2014/main" id="{5A58B98D-9878-42F2-B7B4-36911516E291}"/>
+              </a:ext>
+            </a:extLst>
+          </p:cNvPr>
+          <p:cNvSpPr txBox="1">
+            <a:spLocks/>
+          </p:cNvSpPr>
+          <p:nvPr/>
+        </p:nvSpPr>
+        <p:spPr>
+          <a:xfrm>
+            <a:off x="326571" y="167277"/>
+            <a:ext cx="7678010" cy="536439"/>
+          </a:xfrm>
+          <a:prstGeom prst="rect">
+            <a:avLst/>
+          </a:prstGeom>
+          <a:effectLst/>
+        </p:spPr>
+        <p:txBody>
+          <a:bodyPr vert="horz" lIns="91440" tIns="45720" rIns="91440" bIns="45720" rtlCol="0" anchor="b">
+            <a:normAutofit fontScale="70000" lnSpcReduction="20000"/>
+          </a:bodyPr>
+          <a:lstStyle>
+            <a:lvl1pPr algn="r" defTabSz="457200" rtl="0" eaLnBrk="1" latinLnBrk="0" hangingPunct="1">
+              <a:spcBef>
+                <a:spcPct val="0"/>
+              </a:spcBef>
+              <a:buNone/>
+              <a:defRPr sz="4800" kern="1200" cap="all">
+                <a:ln w="3175" cmpd="sng">
+                  <a:noFill/>
+                </a:ln>
+                <a:solidFill>
+                  <a:schemeClr val="tx1"/>
+                </a:solidFill>
+                <a:effectLst/>
+                <a:latin typeface="+mj-lt"/>
+                <a:ea typeface="+mj-ea"/>
+                <a:cs typeface="+mj-cs"/>
+              </a:defRPr>
+            </a:lvl1pPr>
+            <a:lvl2pPr eaLnBrk="1" hangingPunct="1">
+              <a:defRPr>
+                <a:solidFill>
+                  <a:schemeClr val="tx2"/>
+                </a:solidFill>
+              </a:defRPr>
+            </a:lvl2pPr>
+            <a:lvl3pPr eaLnBrk="1" hangingPunct="1">
+              <a:defRPr>
+                <a:solidFill>
+                  <a:schemeClr val="tx2"/>
+                </a:solidFill>
+              </a:defRPr>
+            </a:lvl3pPr>
+            <a:lvl4pPr eaLnBrk="1" hangingPunct="1">
+              <a:defRPr>
+                <a:solidFill>
+                  <a:schemeClr val="tx2"/>
+                </a:solidFill>
+              </a:defRPr>
+            </a:lvl4pPr>
+            <a:lvl5pPr eaLnBrk="1" hangingPunct="1">
+              <a:defRPr>
+                <a:solidFill>
+                  <a:schemeClr val="tx2"/>
+                </a:solidFill>
+              </a:defRPr>
+            </a:lvl5pPr>
+            <a:lvl6pPr eaLnBrk="1" hangingPunct="1">
+              <a:defRPr>
+                <a:solidFill>
+                  <a:schemeClr val="tx2"/>
+                </a:solidFill>
+              </a:defRPr>
+            </a:lvl6pPr>
+            <a:lvl7pPr eaLnBrk="1" hangingPunct="1">
+              <a:defRPr>
+                <a:solidFill>
+                  <a:schemeClr val="tx2"/>
+                </a:solidFill>
+              </a:defRPr>
+            </a:lvl7pPr>
+            <a:lvl8pPr eaLnBrk="1" hangingPunct="1">
+              <a:defRPr>
+                <a:solidFill>
+                  <a:schemeClr val="tx2"/>
+                </a:solidFill>
+              </a:defRPr>
+            </a:lvl8pPr>
+            <a:lvl9pPr eaLnBrk="1" hangingPunct="1">
+              <a:defRPr>
+                <a:solidFill>
+                  <a:schemeClr val="tx2"/>
+                </a:solidFill>
+              </a:defRPr>
+            </a:lvl9pPr>
+          </a:lstStyle>
+          <a:p>
+            <a:pPr algn="l"/>
+            <a:r>
+              <a:rPr lang="es-ES" b="1" dirty="0"/>
+              <a:t>DESARROLLO DEL MODELO</a:t>
+            </a:r>
+          </a:p>
+        </p:txBody>
+      </p:sp>
+    </p:spTree>
+    <p:extLst>
+      <p:ext uri="{BB962C8B-B14F-4D97-AF65-F5344CB8AC3E}">
+        <p14:creationId xmlns:p14="http://schemas.microsoft.com/office/powerpoint/2010/main" val="1526453082"/>
+      </p:ext>
+    </p:extLst>
+  </p:cSld>
+  <p:clrMapOvr>
+    <a:masterClrMapping/>
+  </p:clrMapOvr>
+</p:sld>
+</file>
+
+<file path=ppt/slides/slide9.xml><?xml version="1.0" encoding="utf-8"?>
+<p:sld xmlns:a="http://schemas.openxmlformats.org/drawingml/2006/main" xmlns:r="http://schemas.openxmlformats.org/officeDocument/2006/relationships" xmlns:p="http://schemas.openxmlformats.org/presentationml/2006/main">
+  <p:cSld>
+    <p:spTree>
+      <p:nvGrpSpPr>
+        <p:cNvPr id="1" name=""/>
+        <p:cNvGrpSpPr/>
+        <p:nvPr/>
+      </p:nvGrpSpPr>
+      <p:grpSpPr>
+        <a:xfrm>
+          <a:off x="0" y="0"/>
+          <a:ext cx="0" cy="0"/>
+          <a:chOff x="0" y="0"/>
+          <a:chExt cx="0" cy="0"/>
+        </a:xfrm>
+      </p:grpSpPr>
+      <p:sp>
+        <p:nvSpPr>
+          <p:cNvPr id="10" name="CuadroTexto 9">
+            <a:extLst>
+              <a:ext uri="{FF2B5EF4-FFF2-40B4-BE49-F238E27FC236}">
+                <a16:creationId xmlns:a16="http://schemas.microsoft.com/office/drawing/2014/main" id="{ABCF4F7C-F0B4-4432-9B24-07D1108689AD}"/>
+              </a:ext>
+            </a:extLst>
+          </p:cNvPr>
+          <p:cNvSpPr txBox="1"/>
+          <p:nvPr/>
+        </p:nvSpPr>
+        <p:spPr>
+          <a:xfrm>
+            <a:off x="465348" y="823913"/>
+            <a:ext cx="5084552" cy="3970318"/>
+          </a:xfrm>
+          <a:prstGeom prst="rect">
+            <a:avLst/>
+          </a:prstGeom>
+          <a:noFill/>
+        </p:spPr>
+        <p:txBody>
+          <a:bodyPr wrap="square">
+            <a:spAutoFit/>
+          </a:bodyPr>
+          <a:lstStyle/>
+          <a:p>
+            <a:r>
+              <a:rPr lang="es-ES" b="0" dirty="0">
+                <a:solidFill>
+                  <a:srgbClr val="CCCCCC"/>
+                </a:solidFill>
+                <a:effectLst/>
+                <a:latin typeface="Bookman Old Style" panose="02050604050505020204" pitchFamily="18" charset="0"/>
+              </a:rPr>
+              <a:t>9. </a:t>
+            </a:r>
+            <a:r>
+              <a:rPr lang="es-ES" b="0" dirty="0" err="1">
+                <a:solidFill>
+                  <a:srgbClr val="CCCCCC"/>
+                </a:solidFill>
+                <a:effectLst/>
+                <a:latin typeface="Bookman Old Style" panose="02050604050505020204" pitchFamily="18" charset="0"/>
+              </a:rPr>
+              <a:t>Evaluacion</a:t>
+            </a:r>
+            <a:r>
+              <a:rPr lang="es-ES" b="0" dirty="0">
+                <a:solidFill>
+                  <a:srgbClr val="CCCCCC"/>
+                </a:solidFill>
+                <a:effectLst/>
+                <a:latin typeface="Bookman Old Style" panose="02050604050505020204" pitchFamily="18" charset="0"/>
+              </a:rPr>
+              <a:t> del modelo frente al test</a:t>
+            </a:r>
+            <a:endParaRPr lang="es-ES" dirty="0">
+              <a:latin typeface="Bookman Old Style" panose="02050604050505020204" pitchFamily="18" charset="0"/>
+            </a:endParaRPr>
+          </a:p>
+          <a:p>
+            <a:br>
+              <a:rPr lang="es-ES" sz="1800" dirty="0">
+                <a:latin typeface="Bookman Old Style" panose="02050604050505020204" pitchFamily="18" charset="0"/>
+              </a:rPr>
+            </a:br>
+            <a:r>
+              <a:rPr lang="en-US" sz="1800" dirty="0">
+                <a:latin typeface="Bookman Old Style" panose="02050604050505020204" pitchFamily="18" charset="0"/>
+              </a:rPr>
+              <a:t>precision    recall  f1-score   support</a:t>
+            </a:r>
+          </a:p>
+          <a:p>
+            <a:endParaRPr lang="en-US" sz="1800" dirty="0">
+              <a:latin typeface="Bookman Old Style" panose="02050604050505020204" pitchFamily="18" charset="0"/>
+            </a:endParaRPr>
+          </a:p>
+          <a:p>
+            <a:r>
+              <a:rPr lang="en-US" sz="1800" dirty="0">
+                <a:latin typeface="Bookman Old Style" panose="02050604050505020204" pitchFamily="18" charset="0"/>
+              </a:rPr>
+              <a:t>           0       0.84      0.87      0.86       843</a:t>
+            </a:r>
+          </a:p>
+          <a:p>
+            <a:r>
+              <a:rPr lang="en-US" sz="1800" dirty="0">
+                <a:latin typeface="Bookman Old Style" panose="02050604050505020204" pitchFamily="18" charset="0"/>
+              </a:rPr>
+              <a:t>           1       0.64      0.56      0.60       439</a:t>
+            </a:r>
+          </a:p>
+          <a:p>
+            <a:r>
+              <a:rPr lang="en-US" sz="1800" dirty="0">
+                <a:latin typeface="Bookman Old Style" panose="02050604050505020204" pitchFamily="18" charset="0"/>
+              </a:rPr>
+              <a:t>           2       0.79      0.85      0.82       467</a:t>
+            </a:r>
+          </a:p>
+          <a:p>
+            <a:endParaRPr lang="en-US" sz="1800" dirty="0">
+              <a:latin typeface="Bookman Old Style" panose="02050604050505020204" pitchFamily="18" charset="0"/>
+            </a:endParaRPr>
+          </a:p>
+          <a:p>
+            <a:r>
+              <a:rPr lang="en-US" sz="1800" dirty="0">
+                <a:latin typeface="Bookman Old Style" panose="02050604050505020204" pitchFamily="18" charset="0"/>
+              </a:rPr>
+              <a:t>    accuracy                           0.79      1749</a:t>
+            </a:r>
+          </a:p>
+          <a:p>
+            <a:r>
+              <a:rPr lang="en-US" sz="1800" dirty="0">
+                <a:latin typeface="Bookman Old Style" panose="02050604050505020204" pitchFamily="18" charset="0"/>
+              </a:rPr>
+              <a:t>   macro avg       0.76      0.76      0.76      1749</a:t>
+            </a:r>
+          </a:p>
+          <a:p>
+            <a:r>
+              <a:rPr lang="en-US" sz="1800" dirty="0">
+                <a:latin typeface="Bookman Old Style" panose="02050604050505020204" pitchFamily="18" charset="0"/>
+              </a:rPr>
+              <a:t>weighted avg       0.78      0.79      0.78      1749</a:t>
+            </a:r>
+            <a:br>
+              <a:rPr lang="es-ES" sz="1800" dirty="0">
+                <a:latin typeface="Bookman Old Style" panose="02050604050505020204" pitchFamily="18" charset="0"/>
+              </a:rPr>
+            </a:br>
+            <a:endParaRPr lang="es-ES" dirty="0">
+              <a:latin typeface="Bookman Old Style" panose="02050604050505020204" pitchFamily="18" charset="0"/>
+            </a:endParaRPr>
+          </a:p>
+        </p:txBody>
+      </p:sp>
+      <p:sp>
+        <p:nvSpPr>
+          <p:cNvPr id="6" name="Título 1">
+            <a:extLst>
+              <a:ext uri="{FF2B5EF4-FFF2-40B4-BE49-F238E27FC236}">
+                <a16:creationId xmlns:a16="http://schemas.microsoft.com/office/drawing/2014/main" id="{5A58B98D-9878-42F2-B7B4-36911516E291}"/>
+              </a:ext>
+            </a:extLst>
+          </p:cNvPr>
+          <p:cNvSpPr txBox="1">
+            <a:spLocks/>
+          </p:cNvSpPr>
+          <p:nvPr/>
+        </p:nvSpPr>
+        <p:spPr>
+          <a:xfrm>
+            <a:off x="326571" y="167277"/>
+            <a:ext cx="7678010" cy="536439"/>
+          </a:xfrm>
+          <a:prstGeom prst="rect">
+            <a:avLst/>
+          </a:prstGeom>
+          <a:effectLst/>
+        </p:spPr>
+        <p:txBody>
+          <a:bodyPr vert="horz" lIns="91440" tIns="45720" rIns="91440" bIns="45720" rtlCol="0" anchor="b">
+            <a:normAutofit fontScale="70000" lnSpcReduction="20000"/>
+          </a:bodyPr>
+          <a:lstStyle>
+            <a:lvl1pPr algn="r" defTabSz="457200" rtl="0" eaLnBrk="1" latinLnBrk="0" hangingPunct="1">
+              <a:spcBef>
+                <a:spcPct val="0"/>
+              </a:spcBef>
+              <a:buNone/>
+              <a:defRPr sz="4800" kern="1200" cap="all">
+                <a:ln w="3175" cmpd="sng">
+                  <a:noFill/>
+                </a:ln>
+                <a:solidFill>
+                  <a:schemeClr val="tx1"/>
+                </a:solidFill>
+                <a:effectLst/>
+                <a:latin typeface="+mj-lt"/>
+                <a:ea typeface="+mj-ea"/>
+                <a:cs typeface="+mj-cs"/>
+              </a:defRPr>
+            </a:lvl1pPr>
+            <a:lvl2pPr eaLnBrk="1" hangingPunct="1">
+              <a:defRPr>
+                <a:solidFill>
+                  <a:schemeClr val="tx2"/>
+                </a:solidFill>
+              </a:defRPr>
+            </a:lvl2pPr>
+            <a:lvl3pPr eaLnBrk="1" hangingPunct="1">
+              <a:defRPr>
+                <a:solidFill>
+                  <a:schemeClr val="tx2"/>
+                </a:solidFill>
+              </a:defRPr>
+            </a:lvl3pPr>
+            <a:lvl4pPr eaLnBrk="1" hangingPunct="1">
+              <a:defRPr>
+                <a:solidFill>
+                  <a:schemeClr val="tx2"/>
+                </a:solidFill>
+              </a:defRPr>
+            </a:lvl4pPr>
+            <a:lvl5pPr eaLnBrk="1" hangingPunct="1">
+              <a:defRPr>
+                <a:solidFill>
+                  <a:schemeClr val="tx2"/>
+                </a:solidFill>
+              </a:defRPr>
+            </a:lvl5pPr>
+            <a:lvl6pPr eaLnBrk="1" hangingPunct="1">
+              <a:defRPr>
+                <a:solidFill>
+                  <a:schemeClr val="tx2"/>
+                </a:solidFill>
+              </a:defRPr>
+            </a:lvl6pPr>
+            <a:lvl7pPr eaLnBrk="1" hangingPunct="1">
+              <a:defRPr>
+                <a:solidFill>
+                  <a:schemeClr val="tx2"/>
+                </a:solidFill>
+              </a:defRPr>
+            </a:lvl7pPr>
+            <a:lvl8pPr eaLnBrk="1" hangingPunct="1">
+              <a:defRPr>
+                <a:solidFill>
+                  <a:schemeClr val="tx2"/>
+                </a:solidFill>
+              </a:defRPr>
+            </a:lvl8pPr>
+            <a:lvl9pPr eaLnBrk="1" hangingPunct="1">
+              <a:defRPr>
+                <a:solidFill>
+                  <a:schemeClr val="tx2"/>
+                </a:solidFill>
+              </a:defRPr>
+            </a:lvl9pPr>
+          </a:lstStyle>
+          <a:p>
+            <a:pPr algn="l"/>
+            <a:r>
+              <a:rPr lang="es-ES" b="1" dirty="0"/>
+              <a:t>DESARROLLO DEL MODELO</a:t>
+            </a:r>
+          </a:p>
+        </p:txBody>
+      </p:sp>
+      <p:pic>
+        <p:nvPicPr>
+          <p:cNvPr id="3" name="Imagen 2">
+            <a:extLst>
+              <a:ext uri="{FF2B5EF4-FFF2-40B4-BE49-F238E27FC236}">
+                <a16:creationId xmlns:a16="http://schemas.microsoft.com/office/drawing/2014/main" id="{E1162359-03BB-4D4B-973D-89B50F49D008}"/>
+              </a:ext>
+            </a:extLst>
+          </p:cNvPr>
+          <p:cNvPicPr>
+            <a:picLocks noChangeAspect="1"/>
+          </p:cNvPicPr>
+          <p:nvPr/>
+        </p:nvPicPr>
+        <p:blipFill>
+          <a:blip r:embed="rId2"/>
+          <a:stretch>
+            <a:fillRect/>
+          </a:stretch>
+        </p:blipFill>
+        <p:spPr>
+          <a:xfrm>
+            <a:off x="5549900" y="381000"/>
+            <a:ext cx="6545517" cy="5632796"/>
+          </a:xfrm>
+          <a:prstGeom prst="rect">
+            <a:avLst/>
+          </a:prstGeom>
+        </p:spPr>
+      </p:pic>
+    </p:spTree>
+    <p:extLst>
+      <p:ext uri="{BB962C8B-B14F-4D97-AF65-F5344CB8AC3E}">
+        <p14:creationId xmlns:p14="http://schemas.microsoft.com/office/powerpoint/2010/main" val="677037258"/>
       </p:ext>
     </p:extLst>
   </p:cSld>
